--- a/презентация к проекту 2048.pptx
+++ b/презентация к проекту 2048.pptx
@@ -7,9 +7,10 @@
   <p:sldIdLst>
     <p:sldId id="256" r:id="rId2"/>
     <p:sldId id="257" r:id="rId3"/>
-    <p:sldId id="258" r:id="rId4"/>
-    <p:sldId id="259" r:id="rId5"/>
-    <p:sldId id="260" r:id="rId6"/>
+    <p:sldId id="261" r:id="rId4"/>
+    <p:sldId id="258" r:id="rId5"/>
+    <p:sldId id="259" r:id="rId6"/>
+    <p:sldId id="260" r:id="rId7"/>
   </p:sldIdLst>
   <p:sldSz cx="12192000" cy="6858000"/>
   <p:notesSz cx="6858000" cy="9144000"/>
@@ -108,6 +109,11 @@
       </a:defRPr>
     </a:lvl9pPr>
   </p:defaultTextStyle>
+  <p:extLst>
+    <p:ext uri="{EFAFB233-063F-42B5-8137-9DF3F51BA10A}">
+      <p15:sldGuideLst xmlns:p15="http://schemas.microsoft.com/office/powerpoint/2012/main"/>
+    </p:ext>
+  </p:extLst>
 </p:presentation>
 </file>
 
@@ -833,7 +839,7 @@
           <a:p>
             <a:fld id="{FFF621AC-D309-4402-BE7A-528511A16658}" type="datetimeFigureOut">
               <a:rPr lang="ru-RU" smtClean="0"/>
-              <a:t>01.11.2021</a:t>
+              <a:t>11.11.2021</a:t>
             </a:fld>
             <a:endParaRPr lang="ru-RU"/>
           </a:p>
@@ -1084,7 +1090,7 @@
           <a:p>
             <a:fld id="{FFF621AC-D309-4402-BE7A-528511A16658}" type="datetimeFigureOut">
               <a:rPr lang="ru-RU" smtClean="0"/>
-              <a:t>01.11.2021</a:t>
+              <a:t>11.11.2021</a:t>
             </a:fld>
             <a:endParaRPr lang="ru-RU"/>
           </a:p>
@@ -1398,7 +1404,7 @@
           <a:p>
             <a:fld id="{FFF621AC-D309-4402-BE7A-528511A16658}" type="datetimeFigureOut">
               <a:rPr lang="ru-RU" smtClean="0"/>
-              <a:t>01.11.2021</a:t>
+              <a:t>11.11.2021</a:t>
             </a:fld>
             <a:endParaRPr lang="ru-RU"/>
           </a:p>
@@ -1739,7 +1745,7 @@
           <a:p>
             <a:fld id="{FFF621AC-D309-4402-BE7A-528511A16658}" type="datetimeFigureOut">
               <a:rPr lang="ru-RU" smtClean="0"/>
-              <a:t>01.11.2021</a:t>
+              <a:t>11.11.2021</a:t>
             </a:fld>
             <a:endParaRPr lang="ru-RU"/>
           </a:p>
@@ -2053,7 +2059,7 @@
           <a:p>
             <a:fld id="{FFF621AC-D309-4402-BE7A-528511A16658}" type="datetimeFigureOut">
               <a:rPr lang="ru-RU" smtClean="0"/>
-              <a:t>01.11.2021</a:t>
+              <a:t>11.11.2021</a:t>
             </a:fld>
             <a:endParaRPr lang="ru-RU"/>
           </a:p>
@@ -2446,7 +2452,7 @@
           <a:p>
             <a:fld id="{FFF621AC-D309-4402-BE7A-528511A16658}" type="datetimeFigureOut">
               <a:rPr lang="ru-RU" smtClean="0"/>
-              <a:t>01.11.2021</a:t>
+              <a:t>11.11.2021</a:t>
             </a:fld>
             <a:endParaRPr lang="ru-RU"/>
           </a:p>
@@ -2616,7 +2622,7 @@
           <a:p>
             <a:fld id="{FFF621AC-D309-4402-BE7A-528511A16658}" type="datetimeFigureOut">
               <a:rPr lang="ru-RU" smtClean="0"/>
-              <a:t>01.11.2021</a:t>
+              <a:t>11.11.2021</a:t>
             </a:fld>
             <a:endParaRPr lang="ru-RU"/>
           </a:p>
@@ -2796,7 +2802,7 @@
           <a:p>
             <a:fld id="{FFF621AC-D309-4402-BE7A-528511A16658}" type="datetimeFigureOut">
               <a:rPr lang="ru-RU" smtClean="0"/>
-              <a:t>01.11.2021</a:t>
+              <a:t>11.11.2021</a:t>
             </a:fld>
             <a:endParaRPr lang="ru-RU"/>
           </a:p>
@@ -2972,7 +2978,7 @@
           <a:p>
             <a:fld id="{FFF621AC-D309-4402-BE7A-528511A16658}" type="datetimeFigureOut">
               <a:rPr lang="ru-RU" smtClean="0"/>
-              <a:t>01.11.2021</a:t>
+              <a:t>11.11.2021</a:t>
             </a:fld>
             <a:endParaRPr lang="ru-RU"/>
           </a:p>
@@ -3219,7 +3225,7 @@
           <a:p>
             <a:fld id="{FFF621AC-D309-4402-BE7A-528511A16658}" type="datetimeFigureOut">
               <a:rPr lang="ru-RU" smtClean="0"/>
-              <a:t>01.11.2021</a:t>
+              <a:t>11.11.2021</a:t>
             </a:fld>
             <a:endParaRPr lang="ru-RU"/>
           </a:p>
@@ -3451,7 +3457,7 @@
           <a:p>
             <a:fld id="{FFF621AC-D309-4402-BE7A-528511A16658}" type="datetimeFigureOut">
               <a:rPr lang="ru-RU" smtClean="0"/>
-              <a:t>01.11.2021</a:t>
+              <a:t>11.11.2021</a:t>
             </a:fld>
             <a:endParaRPr lang="ru-RU"/>
           </a:p>
@@ -3825,7 +3831,7 @@
           <a:p>
             <a:fld id="{FFF621AC-D309-4402-BE7A-528511A16658}" type="datetimeFigureOut">
               <a:rPr lang="ru-RU" smtClean="0"/>
-              <a:t>01.11.2021</a:t>
+              <a:t>11.11.2021</a:t>
             </a:fld>
             <a:endParaRPr lang="ru-RU"/>
           </a:p>
@@ -3948,7 +3954,7 @@
           <a:p>
             <a:fld id="{FFF621AC-D309-4402-BE7A-528511A16658}" type="datetimeFigureOut">
               <a:rPr lang="ru-RU" smtClean="0"/>
-              <a:t>01.11.2021</a:t>
+              <a:t>11.11.2021</a:t>
             </a:fld>
             <a:endParaRPr lang="ru-RU"/>
           </a:p>
@@ -4043,7 +4049,7 @@
           <a:p>
             <a:fld id="{FFF621AC-D309-4402-BE7A-528511A16658}" type="datetimeFigureOut">
               <a:rPr lang="ru-RU" smtClean="0"/>
-              <a:t>01.11.2021</a:t>
+              <a:t>11.11.2021</a:t>
             </a:fld>
             <a:endParaRPr lang="ru-RU"/>
           </a:p>
@@ -4298,7 +4304,7 @@
           <a:p>
             <a:fld id="{FFF621AC-D309-4402-BE7A-528511A16658}" type="datetimeFigureOut">
               <a:rPr lang="ru-RU" smtClean="0"/>
-              <a:t>01.11.2021</a:t>
+              <a:t>11.11.2021</a:t>
             </a:fld>
             <a:endParaRPr lang="ru-RU"/>
           </a:p>
@@ -4561,7 +4567,7 @@
           <a:p>
             <a:fld id="{FFF621AC-D309-4402-BE7A-528511A16658}" type="datetimeFigureOut">
               <a:rPr lang="ru-RU" smtClean="0"/>
-              <a:t>01.11.2021</a:t>
+              <a:t>11.11.2021</a:t>
             </a:fld>
             <a:endParaRPr lang="ru-RU"/>
           </a:p>
@@ -5304,7 +5310,7 @@
           <a:p>
             <a:fld id="{FFF621AC-D309-4402-BE7A-528511A16658}" type="datetimeFigureOut">
               <a:rPr lang="ru-RU" smtClean="0"/>
-              <a:t>01.11.2021</a:t>
+              <a:t>11.11.2021</a:t>
             </a:fld>
             <a:endParaRPr lang="ru-RU"/>
           </a:p>
@@ -6195,7 +6201,7 @@
           <a:p>
             <a:r>
               <a:rPr lang="ru-RU" dirty="0"/>
-              <a:t>Для чего нужна?</a:t>
+              <a:t>Для чего нужна данная игра?</a:t>
             </a:r>
             <a:br>
               <a:rPr lang="ru-RU" dirty="0"/>
@@ -6260,6 +6266,13 @@
               <a:rPr lang="en-US" sz="2800" dirty="0"/>
               <a:t>python</a:t>
             </a:r>
+          </a:p>
+          <a:p>
+            <a:pPr>
+              <a:buFont typeface="+mj-lt"/>
+              <a:buAutoNum type="arabicPeriod"/>
+            </a:pPr>
+            <a:endParaRPr lang="en-US" sz="2800" dirty="0"/>
           </a:p>
           <a:p>
             <a:pPr>
@@ -6548,7 +6561,7 @@
           <p:cNvPr id="2" name="Заголовок 1">
             <a:extLst>
               <a:ext uri="{FF2B5EF4-FFF2-40B4-BE49-F238E27FC236}">
-                <a16:creationId xmlns:a16="http://schemas.microsoft.com/office/drawing/2014/main" id="{6AA81EEE-74E1-4644-BE55-FE220E0F6225}"/>
+                <a16:creationId xmlns:a16="http://schemas.microsoft.com/office/drawing/2014/main" id="{96E7BC34-5775-496F-83F8-030E564D19D0}"/>
               </a:ext>
             </a:extLst>
           </p:cNvPr>
@@ -6561,8 +6574,8 @@
         </p:nvSpPr>
         <p:spPr>
           <a:xfrm>
-            <a:off x="0" y="0"/>
-            <a:ext cx="8596668" cy="690465"/>
+            <a:off x="14861" y="0"/>
+            <a:ext cx="8513319" cy="942392"/>
           </a:xfrm>
         </p:spPr>
         <p:txBody>
@@ -6571,7 +6584,7 @@
           <a:p>
             <a:r>
               <a:rPr lang="ru-RU" dirty="0"/>
-              <a:t>Особенности дизайна</a:t>
+              <a:t>Регистрация</a:t>
             </a:r>
           </a:p>
         </p:txBody>
@@ -6581,7 +6594,7 @@
           <p:cNvPr id="3" name="Объект 2">
             <a:extLst>
               <a:ext uri="{FF2B5EF4-FFF2-40B4-BE49-F238E27FC236}">
-                <a16:creationId xmlns:a16="http://schemas.microsoft.com/office/drawing/2014/main" id="{63B73AB2-2CB7-422E-867B-D47985BF5F40}"/>
+                <a16:creationId xmlns:a16="http://schemas.microsoft.com/office/drawing/2014/main" id="{1BAB20CF-B4FC-4058-850E-FEDBD6FAC1D9}"/>
               </a:ext>
             </a:extLst>
           </p:cNvPr>
@@ -6594,8 +6607,8 @@
         </p:nvSpPr>
         <p:spPr>
           <a:xfrm>
-            <a:off x="0" y="690465"/>
-            <a:ext cx="9274002" cy="5350897"/>
+            <a:off x="14861" y="942392"/>
+            <a:ext cx="6768494" cy="3880773"/>
           </a:xfrm>
         </p:spPr>
         <p:txBody>
@@ -6604,59 +6617,61 @@
           </a:bodyPr>
           <a:lstStyle/>
           <a:p>
-            <a:pPr>
+            <a:pPr marL="514350" indent="-514350">
               <a:buFont typeface="+mj-lt"/>
               <a:buAutoNum type="arabicPeriod"/>
             </a:pPr>
             <a:r>
-              <a:rPr lang="ru-RU" sz="2400" dirty="0"/>
-              <a:t>Полностью настроенный под пользователя дизайн с способностью изменения цветов и картинок в приложении.</a:t>
-            </a:r>
-          </a:p>
-          <a:p>
-            <a:pPr>
+              <a:rPr lang="ru-RU" sz="2800" dirty="0"/>
+              <a:t>Регистрация проходит через введение логина и пароля.</a:t>
+            </a:r>
+          </a:p>
+          <a:p>
+            <a:pPr marL="514350" indent="-514350">
               <a:buFont typeface="+mj-lt"/>
               <a:buAutoNum type="arabicPeriod"/>
             </a:pPr>
             <a:r>
-              <a:rPr lang="ru-RU" sz="2400" dirty="0"/>
-              <a:t>Возможность создания </a:t>
-            </a:r>
-            <a:r>
-              <a:rPr lang="ru-RU" sz="2400" dirty="0" err="1"/>
-              <a:t>кастомного</a:t>
-            </a:r>
-            <a:r>
-              <a:rPr lang="ru-RU" sz="2400" dirty="0"/>
-              <a:t> дизайна.</a:t>
-            </a:r>
-          </a:p>
-          <a:p>
-            <a:pPr>
-              <a:buFont typeface="+mj-lt"/>
-              <a:buAutoNum type="arabicPeriod"/>
-            </a:pPr>
-            <a:r>
-              <a:rPr lang="ru-RU" sz="2400" dirty="0"/>
-              <a:t>Список предложений вида дизайна в самом предложении.</a:t>
-            </a:r>
-          </a:p>
-          <a:p>
-            <a:pPr>
-              <a:buFont typeface="+mj-lt"/>
-              <a:buAutoNum type="arabicPeriod"/>
-            </a:pPr>
-            <a:r>
-              <a:rPr lang="ru-RU" sz="2400" dirty="0"/>
-              <a:t>Создание любого фона в приложении.</a:t>
-            </a:r>
-          </a:p>
-        </p:txBody>
-      </p:sp>
+              <a:rPr lang="ru-RU" sz="2800" dirty="0"/>
+              <a:t>При регистрации создаются все данные пользователя.</a:t>
+            </a:r>
+          </a:p>
+        </p:txBody>
+      </p:sp>
+      <p:pic>
+        <p:nvPicPr>
+          <p:cNvPr id="5" name="Рисунок 4">
+            <a:extLst>
+              <a:ext uri="{FF2B5EF4-FFF2-40B4-BE49-F238E27FC236}">
+                <a16:creationId xmlns:a16="http://schemas.microsoft.com/office/drawing/2014/main" id="{160C8AFD-98CC-4EC1-AAFE-737476582F0A}"/>
+              </a:ext>
+            </a:extLst>
+          </p:cNvPr>
+          <p:cNvPicPr>
+            <a:picLocks noChangeAspect="1"/>
+          </p:cNvPicPr>
+          <p:nvPr/>
+        </p:nvPicPr>
+        <p:blipFill>
+          <a:blip r:embed="rId2"/>
+          <a:stretch>
+            <a:fillRect/>
+          </a:stretch>
+        </p:blipFill>
+        <p:spPr>
+          <a:xfrm>
+            <a:off x="8170338" y="237090"/>
+            <a:ext cx="3801005" cy="5077534"/>
+          </a:xfrm>
+          <a:prstGeom prst="rect">
+            <a:avLst/>
+          </a:prstGeom>
+        </p:spPr>
+      </p:pic>
     </p:spTree>
     <p:extLst>
       <p:ext uri="{BB962C8B-B14F-4D97-AF65-F5344CB8AC3E}">
-        <p14:creationId xmlns:p14="http://schemas.microsoft.com/office/powerpoint/2010/main" val="2262336652"/>
+        <p14:creationId xmlns:p14="http://schemas.microsoft.com/office/powerpoint/2010/main" val="1920706736"/>
       </p:ext>
     </p:extLst>
   </p:cSld>
@@ -6688,7 +6703,7 @@
           <p:cNvPr id="2" name="Заголовок 1">
             <a:extLst>
               <a:ext uri="{FF2B5EF4-FFF2-40B4-BE49-F238E27FC236}">
-                <a16:creationId xmlns:a16="http://schemas.microsoft.com/office/drawing/2014/main" id="{6FC02507-19EB-4884-A6E9-FFAFF42C5346}"/>
+                <a16:creationId xmlns:a16="http://schemas.microsoft.com/office/drawing/2014/main" id="{6AA81EEE-74E1-4644-BE55-FE220E0F6225}"/>
               </a:ext>
             </a:extLst>
           </p:cNvPr>
@@ -6701,8 +6716,8 @@
         </p:nvSpPr>
         <p:spPr>
           <a:xfrm>
-            <a:off x="0" y="1"/>
-            <a:ext cx="9274002" cy="961052"/>
+            <a:off x="0" y="0"/>
+            <a:ext cx="8596668" cy="690465"/>
           </a:xfrm>
         </p:spPr>
         <p:txBody>
@@ -6711,7 +6726,7 @@
           <a:p>
             <a:r>
               <a:rPr lang="ru-RU" dirty="0"/>
-              <a:t>Профиль игрока</a:t>
+              <a:t>Особенности дизайна</a:t>
             </a:r>
           </a:p>
         </p:txBody>
@@ -6721,7 +6736,7 @@
           <p:cNvPr id="3" name="Объект 2">
             <a:extLst>
               <a:ext uri="{FF2B5EF4-FFF2-40B4-BE49-F238E27FC236}">
-                <a16:creationId xmlns:a16="http://schemas.microsoft.com/office/drawing/2014/main" id="{2E59854E-4E49-4197-A9B5-0D6518F2599E}"/>
+                <a16:creationId xmlns:a16="http://schemas.microsoft.com/office/drawing/2014/main" id="{63B73AB2-2CB7-422E-867B-D47985BF5F40}"/>
               </a:ext>
             </a:extLst>
           </p:cNvPr>
@@ -6734,8 +6749,8 @@
         </p:nvSpPr>
         <p:spPr>
           <a:xfrm>
-            <a:off x="0" y="854303"/>
-            <a:ext cx="8938728" cy="4800048"/>
+            <a:off x="0" y="690465"/>
+            <a:ext cx="9451910" cy="5350897"/>
           </a:xfrm>
         </p:spPr>
         <p:txBody>
@@ -6749,8 +6764,12 @@
               <a:buAutoNum type="arabicPeriod"/>
             </a:pPr>
             <a:r>
-              <a:rPr lang="ru-RU" sz="3200" dirty="0"/>
-              <a:t>Сохранение всех достижений игрока.</a:t>
+              <a:rPr lang="ru-RU" sz="2400" dirty="0"/>
+              <a:t>Дизайн приложения полностью сделан в отдельной программе, название которой </a:t>
+            </a:r>
+            <a:r>
+              <a:rPr lang="en-US" sz="2400" dirty="0"/>
+              <a:t>Figma</a:t>
             </a:r>
           </a:p>
           <a:p>
@@ -6759,9 +6778,10 @@
               <a:buAutoNum type="arabicPeriod"/>
             </a:pPr>
             <a:r>
-              <a:rPr lang="ru-RU" sz="3200" dirty="0"/>
-              <a:t>Уникальные статусы при регистрации</a:t>
-            </a:r>
+              <a:rPr lang="ru-RU" sz="2400" dirty="0"/>
+              <a:t>Добавлены анимации на все кнопки</a:t>
+            </a:r>
+            <a:endParaRPr lang="en-US" sz="2400" dirty="0"/>
           </a:p>
           <a:p>
             <a:pPr>
@@ -6769,22 +6789,480 @@
               <a:buAutoNum type="arabicPeriod"/>
             </a:pPr>
             <a:r>
-              <a:rPr lang="ru-RU" sz="3200" dirty="0"/>
-              <a:t>Таблица лидеров в разных системах</a:t>
-            </a:r>
-          </a:p>
-        </p:txBody>
-      </p:sp>
+              <a:rPr lang="ru-RU" sz="2400" dirty="0"/>
+              <a:t>Довольно долгая работа с изучением другого приложения</a:t>
+            </a:r>
+          </a:p>
+        </p:txBody>
+      </p:sp>
+      <p:pic>
+        <p:nvPicPr>
+          <p:cNvPr id="7" name="Рисунок 6">
+            <a:extLst>
+              <a:ext uri="{FF2B5EF4-FFF2-40B4-BE49-F238E27FC236}">
+                <a16:creationId xmlns:a16="http://schemas.microsoft.com/office/drawing/2014/main" id="{F8257BBA-246F-4B6C-B9E9-470AEE412401}"/>
+              </a:ext>
+            </a:extLst>
+          </p:cNvPr>
+          <p:cNvPicPr>
+            <a:picLocks noChangeAspect="1"/>
+          </p:cNvPicPr>
+          <p:nvPr/>
+        </p:nvPicPr>
+        <p:blipFill>
+          <a:blip r:embed="rId2"/>
+          <a:stretch>
+            <a:fillRect/>
+          </a:stretch>
+        </p:blipFill>
+        <p:spPr>
+          <a:xfrm>
+            <a:off x="895738" y="2533181"/>
+            <a:ext cx="7826602" cy="4198646"/>
+          </a:xfrm>
+          <a:prstGeom prst="rect">
+            <a:avLst/>
+          </a:prstGeom>
+        </p:spPr>
+      </p:pic>
     </p:spTree>
     <p:extLst>
       <p:ext uri="{BB962C8B-B14F-4D97-AF65-F5344CB8AC3E}">
-        <p14:creationId xmlns:p14="http://schemas.microsoft.com/office/powerpoint/2010/main" val="3947523178"/>
+        <p14:creationId xmlns:p14="http://schemas.microsoft.com/office/powerpoint/2010/main" val="2262336652"/>
       </p:ext>
     </p:extLst>
   </p:cSld>
   <p:clrMapOvr>
     <a:masterClrMapping/>
   </p:clrMapOvr>
+  <p:timing>
+    <p:tnLst>
+      <p:par>
+        <p:cTn id="1" dur="indefinite" restart="never" nodeType="tmRoot">
+          <p:childTnLst>
+            <p:seq concurrent="1" nextAc="seek">
+              <p:cTn id="2" dur="indefinite" nodeType="mainSeq">
+                <p:childTnLst>
+                  <p:par>
+                    <p:cTn id="3" fill="hold">
+                      <p:stCondLst>
+                        <p:cond delay="indefinite"/>
+                      </p:stCondLst>
+                      <p:childTnLst>
+                        <p:par>
+                          <p:cTn id="4" fill="hold">
+                            <p:stCondLst>
+                              <p:cond delay="0"/>
+                            </p:stCondLst>
+                            <p:childTnLst>
+                              <p:par>
+                                <p:cTn id="5" presetID="42" presetClass="entr" presetSubtype="0" fill="hold" nodeType="clickEffect">
+                                  <p:stCondLst>
+                                    <p:cond delay="0"/>
+                                  </p:stCondLst>
+                                  <p:childTnLst>
+                                    <p:set>
+                                      <p:cBhvr>
+                                        <p:cTn id="6" dur="1" fill="hold">
+                                          <p:stCondLst>
+                                            <p:cond delay="0"/>
+                                          </p:stCondLst>
+                                        </p:cTn>
+                                        <p:tgtEl>
+                                          <p:spTgt spid="3">
+                                            <p:txEl>
+                                              <p:pRg st="0" end="0"/>
+                                            </p:txEl>
+                                          </p:spTgt>
+                                        </p:tgtEl>
+                                        <p:attrNameLst>
+                                          <p:attrName>style.visibility</p:attrName>
+                                        </p:attrNameLst>
+                                      </p:cBhvr>
+                                      <p:to>
+                                        <p:strVal val="visible"/>
+                                      </p:to>
+                                    </p:set>
+                                    <p:animEffect transition="in" filter="fade">
+                                      <p:cBhvr>
+                                        <p:cTn id="7" dur="1000"/>
+                                        <p:tgtEl>
+                                          <p:spTgt spid="3">
+                                            <p:txEl>
+                                              <p:pRg st="0" end="0"/>
+                                            </p:txEl>
+                                          </p:spTgt>
+                                        </p:tgtEl>
+                                      </p:cBhvr>
+                                    </p:animEffect>
+                                    <p:anim calcmode="lin" valueType="num">
+                                      <p:cBhvr>
+                                        <p:cTn id="8" dur="1000" fill="hold"/>
+                                        <p:tgtEl>
+                                          <p:spTgt spid="3">
+                                            <p:txEl>
+                                              <p:pRg st="0" end="0"/>
+                                            </p:txEl>
+                                          </p:spTgt>
+                                        </p:tgtEl>
+                                        <p:attrNameLst>
+                                          <p:attrName>ppt_x</p:attrName>
+                                        </p:attrNameLst>
+                                      </p:cBhvr>
+                                      <p:tavLst>
+                                        <p:tav tm="0">
+                                          <p:val>
+                                            <p:strVal val="#ppt_x"/>
+                                          </p:val>
+                                        </p:tav>
+                                        <p:tav tm="100000">
+                                          <p:val>
+                                            <p:strVal val="#ppt_x"/>
+                                          </p:val>
+                                        </p:tav>
+                                      </p:tavLst>
+                                    </p:anim>
+                                    <p:anim calcmode="lin" valueType="num">
+                                      <p:cBhvr>
+                                        <p:cTn id="9" dur="1000" fill="hold"/>
+                                        <p:tgtEl>
+                                          <p:spTgt spid="3">
+                                            <p:txEl>
+                                              <p:pRg st="0" end="0"/>
+                                            </p:txEl>
+                                          </p:spTgt>
+                                        </p:tgtEl>
+                                        <p:attrNameLst>
+                                          <p:attrName>ppt_y</p:attrName>
+                                        </p:attrNameLst>
+                                      </p:cBhvr>
+                                      <p:tavLst>
+                                        <p:tav tm="0">
+                                          <p:val>
+                                            <p:strVal val="#ppt_y+.1"/>
+                                          </p:val>
+                                        </p:tav>
+                                        <p:tav tm="100000">
+                                          <p:val>
+                                            <p:strVal val="#ppt_y"/>
+                                          </p:val>
+                                        </p:tav>
+                                      </p:tavLst>
+                                    </p:anim>
+                                  </p:childTnLst>
+                                </p:cTn>
+                              </p:par>
+                            </p:childTnLst>
+                          </p:cTn>
+                        </p:par>
+                      </p:childTnLst>
+                    </p:cTn>
+                  </p:par>
+                  <p:par>
+                    <p:cTn id="10" fill="hold">
+                      <p:stCondLst>
+                        <p:cond delay="indefinite"/>
+                      </p:stCondLst>
+                      <p:childTnLst>
+                        <p:par>
+                          <p:cTn id="11" fill="hold">
+                            <p:stCondLst>
+                              <p:cond delay="0"/>
+                            </p:stCondLst>
+                            <p:childTnLst>
+                              <p:par>
+                                <p:cTn id="12" presetID="42" presetClass="entr" presetSubtype="0" fill="hold" nodeType="clickEffect">
+                                  <p:stCondLst>
+                                    <p:cond delay="0"/>
+                                  </p:stCondLst>
+                                  <p:childTnLst>
+                                    <p:set>
+                                      <p:cBhvr>
+                                        <p:cTn id="13" dur="1" fill="hold">
+                                          <p:stCondLst>
+                                            <p:cond delay="0"/>
+                                          </p:stCondLst>
+                                        </p:cTn>
+                                        <p:tgtEl>
+                                          <p:spTgt spid="3">
+                                            <p:txEl>
+                                              <p:pRg st="1" end="1"/>
+                                            </p:txEl>
+                                          </p:spTgt>
+                                        </p:tgtEl>
+                                        <p:attrNameLst>
+                                          <p:attrName>style.visibility</p:attrName>
+                                        </p:attrNameLst>
+                                      </p:cBhvr>
+                                      <p:to>
+                                        <p:strVal val="visible"/>
+                                      </p:to>
+                                    </p:set>
+                                    <p:animEffect transition="in" filter="fade">
+                                      <p:cBhvr>
+                                        <p:cTn id="14" dur="1000"/>
+                                        <p:tgtEl>
+                                          <p:spTgt spid="3">
+                                            <p:txEl>
+                                              <p:pRg st="1" end="1"/>
+                                            </p:txEl>
+                                          </p:spTgt>
+                                        </p:tgtEl>
+                                      </p:cBhvr>
+                                    </p:animEffect>
+                                    <p:anim calcmode="lin" valueType="num">
+                                      <p:cBhvr>
+                                        <p:cTn id="15" dur="1000" fill="hold"/>
+                                        <p:tgtEl>
+                                          <p:spTgt spid="3">
+                                            <p:txEl>
+                                              <p:pRg st="1" end="1"/>
+                                            </p:txEl>
+                                          </p:spTgt>
+                                        </p:tgtEl>
+                                        <p:attrNameLst>
+                                          <p:attrName>ppt_x</p:attrName>
+                                        </p:attrNameLst>
+                                      </p:cBhvr>
+                                      <p:tavLst>
+                                        <p:tav tm="0">
+                                          <p:val>
+                                            <p:strVal val="#ppt_x"/>
+                                          </p:val>
+                                        </p:tav>
+                                        <p:tav tm="100000">
+                                          <p:val>
+                                            <p:strVal val="#ppt_x"/>
+                                          </p:val>
+                                        </p:tav>
+                                      </p:tavLst>
+                                    </p:anim>
+                                    <p:anim calcmode="lin" valueType="num">
+                                      <p:cBhvr>
+                                        <p:cTn id="16" dur="1000" fill="hold"/>
+                                        <p:tgtEl>
+                                          <p:spTgt spid="3">
+                                            <p:txEl>
+                                              <p:pRg st="1" end="1"/>
+                                            </p:txEl>
+                                          </p:spTgt>
+                                        </p:tgtEl>
+                                        <p:attrNameLst>
+                                          <p:attrName>ppt_y</p:attrName>
+                                        </p:attrNameLst>
+                                      </p:cBhvr>
+                                      <p:tavLst>
+                                        <p:tav tm="0">
+                                          <p:val>
+                                            <p:strVal val="#ppt_y+.1"/>
+                                          </p:val>
+                                        </p:tav>
+                                        <p:tav tm="100000">
+                                          <p:val>
+                                            <p:strVal val="#ppt_y"/>
+                                          </p:val>
+                                        </p:tav>
+                                      </p:tavLst>
+                                    </p:anim>
+                                  </p:childTnLst>
+                                </p:cTn>
+                              </p:par>
+                            </p:childTnLst>
+                          </p:cTn>
+                        </p:par>
+                      </p:childTnLst>
+                    </p:cTn>
+                  </p:par>
+                  <p:par>
+                    <p:cTn id="17" fill="hold">
+                      <p:stCondLst>
+                        <p:cond delay="indefinite"/>
+                      </p:stCondLst>
+                      <p:childTnLst>
+                        <p:par>
+                          <p:cTn id="18" fill="hold">
+                            <p:stCondLst>
+                              <p:cond delay="0"/>
+                            </p:stCondLst>
+                            <p:childTnLst>
+                              <p:par>
+                                <p:cTn id="19" presetID="42" presetClass="entr" presetSubtype="0" fill="hold" nodeType="clickEffect">
+                                  <p:stCondLst>
+                                    <p:cond delay="0"/>
+                                  </p:stCondLst>
+                                  <p:childTnLst>
+                                    <p:set>
+                                      <p:cBhvr>
+                                        <p:cTn id="20" dur="1" fill="hold">
+                                          <p:stCondLst>
+                                            <p:cond delay="0"/>
+                                          </p:stCondLst>
+                                        </p:cTn>
+                                        <p:tgtEl>
+                                          <p:spTgt spid="3">
+                                            <p:txEl>
+                                              <p:pRg st="2" end="2"/>
+                                            </p:txEl>
+                                          </p:spTgt>
+                                        </p:tgtEl>
+                                        <p:attrNameLst>
+                                          <p:attrName>style.visibility</p:attrName>
+                                        </p:attrNameLst>
+                                      </p:cBhvr>
+                                      <p:to>
+                                        <p:strVal val="visible"/>
+                                      </p:to>
+                                    </p:set>
+                                    <p:animEffect transition="in" filter="fade">
+                                      <p:cBhvr>
+                                        <p:cTn id="21" dur="1000"/>
+                                        <p:tgtEl>
+                                          <p:spTgt spid="3">
+                                            <p:txEl>
+                                              <p:pRg st="2" end="2"/>
+                                            </p:txEl>
+                                          </p:spTgt>
+                                        </p:tgtEl>
+                                      </p:cBhvr>
+                                    </p:animEffect>
+                                    <p:anim calcmode="lin" valueType="num">
+                                      <p:cBhvr>
+                                        <p:cTn id="22" dur="1000" fill="hold"/>
+                                        <p:tgtEl>
+                                          <p:spTgt spid="3">
+                                            <p:txEl>
+                                              <p:pRg st="2" end="2"/>
+                                            </p:txEl>
+                                          </p:spTgt>
+                                        </p:tgtEl>
+                                        <p:attrNameLst>
+                                          <p:attrName>ppt_x</p:attrName>
+                                        </p:attrNameLst>
+                                      </p:cBhvr>
+                                      <p:tavLst>
+                                        <p:tav tm="0">
+                                          <p:val>
+                                            <p:strVal val="#ppt_x"/>
+                                          </p:val>
+                                        </p:tav>
+                                        <p:tav tm="100000">
+                                          <p:val>
+                                            <p:strVal val="#ppt_x"/>
+                                          </p:val>
+                                        </p:tav>
+                                      </p:tavLst>
+                                    </p:anim>
+                                    <p:anim calcmode="lin" valueType="num">
+                                      <p:cBhvr>
+                                        <p:cTn id="23" dur="1000" fill="hold"/>
+                                        <p:tgtEl>
+                                          <p:spTgt spid="3">
+                                            <p:txEl>
+                                              <p:pRg st="2" end="2"/>
+                                            </p:txEl>
+                                          </p:spTgt>
+                                        </p:tgtEl>
+                                        <p:attrNameLst>
+                                          <p:attrName>ppt_y</p:attrName>
+                                        </p:attrNameLst>
+                                      </p:cBhvr>
+                                      <p:tavLst>
+                                        <p:tav tm="0">
+                                          <p:val>
+                                            <p:strVal val="#ppt_y+.1"/>
+                                          </p:val>
+                                        </p:tav>
+                                        <p:tav tm="100000">
+                                          <p:val>
+                                            <p:strVal val="#ppt_y"/>
+                                          </p:val>
+                                        </p:tav>
+                                      </p:tavLst>
+                                    </p:anim>
+                                  </p:childTnLst>
+                                </p:cTn>
+                              </p:par>
+                            </p:childTnLst>
+                          </p:cTn>
+                        </p:par>
+                      </p:childTnLst>
+                    </p:cTn>
+                  </p:par>
+                  <p:par>
+                    <p:cTn id="24" fill="hold">
+                      <p:stCondLst>
+                        <p:cond delay="indefinite"/>
+                      </p:stCondLst>
+                      <p:childTnLst>
+                        <p:par>
+                          <p:cTn id="25" fill="hold">
+                            <p:stCondLst>
+                              <p:cond delay="0"/>
+                            </p:stCondLst>
+                            <p:childTnLst>
+                              <p:par>
+                                <p:cTn id="26" presetID="16" presetClass="entr" presetSubtype="21" fill="hold" nodeType="clickEffect">
+                                  <p:stCondLst>
+                                    <p:cond delay="0"/>
+                                  </p:stCondLst>
+                                  <p:childTnLst>
+                                    <p:set>
+                                      <p:cBhvr>
+                                        <p:cTn id="27" dur="1" fill="hold">
+                                          <p:stCondLst>
+                                            <p:cond delay="0"/>
+                                          </p:stCondLst>
+                                        </p:cTn>
+                                        <p:tgtEl>
+                                          <p:spTgt spid="7"/>
+                                        </p:tgtEl>
+                                        <p:attrNameLst>
+                                          <p:attrName>style.visibility</p:attrName>
+                                        </p:attrNameLst>
+                                      </p:cBhvr>
+                                      <p:to>
+                                        <p:strVal val="visible"/>
+                                      </p:to>
+                                    </p:set>
+                                    <p:animEffect transition="in" filter="barn(inVertical)">
+                                      <p:cBhvr>
+                                        <p:cTn id="28" dur="500"/>
+                                        <p:tgtEl>
+                                          <p:spTgt spid="7"/>
+                                        </p:tgtEl>
+                                      </p:cBhvr>
+                                    </p:animEffect>
+                                  </p:childTnLst>
+                                </p:cTn>
+                              </p:par>
+                            </p:childTnLst>
+                          </p:cTn>
+                        </p:par>
+                      </p:childTnLst>
+                    </p:cTn>
+                  </p:par>
+                </p:childTnLst>
+              </p:cTn>
+              <p:prevCondLst>
+                <p:cond evt="onPrev" delay="0">
+                  <p:tgtEl>
+                    <p:sldTgt/>
+                  </p:tgtEl>
+                </p:cond>
+              </p:prevCondLst>
+              <p:nextCondLst>
+                <p:cond evt="onNext" delay="0">
+                  <p:tgtEl>
+                    <p:sldTgt/>
+                  </p:tgtEl>
+                </p:cond>
+              </p:nextCondLst>
+            </p:seq>
+          </p:childTnLst>
+        </p:cTn>
+      </p:par>
+    </p:tnLst>
+  </p:timing>
 </p:sld>
 </file>
 
@@ -6810,7 +7288,7 @@
           <p:cNvPr id="2" name="Заголовок 1">
             <a:extLst>
               <a:ext uri="{FF2B5EF4-FFF2-40B4-BE49-F238E27FC236}">
-                <a16:creationId xmlns:a16="http://schemas.microsoft.com/office/drawing/2014/main" id="{55B4DED3-1F35-44E5-BF41-DDE4D03ED390}"/>
+                <a16:creationId xmlns:a16="http://schemas.microsoft.com/office/drawing/2014/main" id="{6FC02507-19EB-4884-A6E9-FFAFF42C5346}"/>
               </a:ext>
             </a:extLst>
           </p:cNvPr>
@@ -6823,8 +7301,8 @@
         </p:nvSpPr>
         <p:spPr>
           <a:xfrm>
-            <a:off x="-1" y="0"/>
-            <a:ext cx="8948057" cy="727788"/>
+            <a:off x="0" y="1"/>
+            <a:ext cx="9274002" cy="961052"/>
           </a:xfrm>
         </p:spPr>
         <p:txBody>
@@ -6833,7 +7311,7 @@
           <a:p>
             <a:r>
               <a:rPr lang="ru-RU" dirty="0"/>
-              <a:t>Мультиплеер и боты</a:t>
+              <a:t>Профиль игрока</a:t>
             </a:r>
           </a:p>
         </p:txBody>
@@ -6843,7 +7321,7 @@
           <p:cNvPr id="3" name="Объект 2">
             <a:extLst>
               <a:ext uri="{FF2B5EF4-FFF2-40B4-BE49-F238E27FC236}">
-                <a16:creationId xmlns:a16="http://schemas.microsoft.com/office/drawing/2014/main" id="{CAA680CB-88AC-46AC-B31B-3C0E999A37A5}"/>
+                <a16:creationId xmlns:a16="http://schemas.microsoft.com/office/drawing/2014/main" id="{2E59854E-4E49-4197-A9B5-0D6518F2599E}"/>
               </a:ext>
             </a:extLst>
           </p:cNvPr>
@@ -6856,8 +7334,8 @@
         </p:nvSpPr>
         <p:spPr>
           <a:xfrm>
-            <a:off x="-1" y="727788"/>
-            <a:ext cx="9246638" cy="4777273"/>
+            <a:off x="0" y="854303"/>
+            <a:ext cx="7921690" cy="4800048"/>
           </a:xfrm>
         </p:spPr>
         <p:txBody>
@@ -6866,35 +7344,931 @@
           </a:bodyPr>
           <a:lstStyle/>
           <a:p>
+            <a:pPr>
+              <a:buFont typeface="+mj-lt"/>
+              <a:buAutoNum type="arabicPeriod"/>
+            </a:pPr>
             <a:r>
               <a:rPr lang="ru-RU" sz="2800" dirty="0"/>
-              <a:t>Возможность сражаться с друзьями на одном устройстве</a:t>
-            </a:r>
-          </a:p>
-          <a:p>
+              <a:t>В этом разделе находится вся информация о рекордах игрока.</a:t>
+            </a:r>
+          </a:p>
+          <a:p>
+            <a:pPr>
+              <a:buFont typeface="+mj-lt"/>
+              <a:buAutoNum type="arabicPeriod"/>
+            </a:pPr>
             <a:r>
               <a:rPr lang="ru-RU" sz="2800" dirty="0"/>
-              <a:t>Возможность сражения с ботами разных уровней</a:t>
-            </a:r>
-          </a:p>
-          <a:p>
-            <a:r>
-              <a:rPr lang="ru-RU" sz="2800" dirty="0"/>
-              <a:t>Возможность прослеживания стратегии игры</a:t>
-            </a:r>
-          </a:p>
-        </p:txBody>
-      </p:sp>
+              <a:t>Сделаны статус игрока и его никнейм</a:t>
+            </a:r>
+          </a:p>
+        </p:txBody>
+      </p:sp>
+      <p:pic>
+        <p:nvPicPr>
+          <p:cNvPr id="5" name="Рисунок 4">
+            <a:extLst>
+              <a:ext uri="{FF2B5EF4-FFF2-40B4-BE49-F238E27FC236}">
+                <a16:creationId xmlns:a16="http://schemas.microsoft.com/office/drawing/2014/main" id="{BCDFC099-8250-4880-8C39-2FDDE7334EC9}"/>
+              </a:ext>
+            </a:extLst>
+          </p:cNvPr>
+          <p:cNvPicPr>
+            <a:picLocks noChangeAspect="1"/>
+          </p:cNvPicPr>
+          <p:nvPr/>
+        </p:nvPicPr>
+        <p:blipFill>
+          <a:blip r:embed="rId2"/>
+          <a:stretch>
+            <a:fillRect/>
+          </a:stretch>
+        </p:blipFill>
+        <p:spPr>
+          <a:xfrm>
+            <a:off x="7700761" y="709126"/>
+            <a:ext cx="4239312" cy="5896947"/>
+          </a:xfrm>
+          <a:prstGeom prst="rect">
+            <a:avLst/>
+          </a:prstGeom>
+        </p:spPr>
+      </p:pic>
     </p:spTree>
     <p:extLst>
       <p:ext uri="{BB962C8B-B14F-4D97-AF65-F5344CB8AC3E}">
-        <p14:creationId xmlns:p14="http://schemas.microsoft.com/office/powerpoint/2010/main" val="3751683187"/>
+        <p14:creationId xmlns:p14="http://schemas.microsoft.com/office/powerpoint/2010/main" val="3947523178"/>
       </p:ext>
     </p:extLst>
   </p:cSld>
   <p:clrMapOvr>
     <a:masterClrMapping/>
   </p:clrMapOvr>
+  <p:timing>
+    <p:tnLst>
+      <p:par>
+        <p:cTn id="1" dur="indefinite" restart="never" nodeType="tmRoot">
+          <p:childTnLst>
+            <p:seq concurrent="1" nextAc="seek">
+              <p:cTn id="2" dur="indefinite" nodeType="mainSeq">
+                <p:childTnLst>
+                  <p:par>
+                    <p:cTn id="3" fill="hold">
+                      <p:stCondLst>
+                        <p:cond delay="indefinite"/>
+                      </p:stCondLst>
+                      <p:childTnLst>
+                        <p:par>
+                          <p:cTn id="4" fill="hold">
+                            <p:stCondLst>
+                              <p:cond delay="0"/>
+                            </p:stCondLst>
+                            <p:childTnLst>
+                              <p:par>
+                                <p:cTn id="5" presetID="42" presetClass="entr" presetSubtype="0" fill="hold" nodeType="clickEffect">
+                                  <p:stCondLst>
+                                    <p:cond delay="0"/>
+                                  </p:stCondLst>
+                                  <p:childTnLst>
+                                    <p:set>
+                                      <p:cBhvr>
+                                        <p:cTn id="6" dur="1" fill="hold">
+                                          <p:stCondLst>
+                                            <p:cond delay="0"/>
+                                          </p:stCondLst>
+                                        </p:cTn>
+                                        <p:tgtEl>
+                                          <p:spTgt spid="3">
+                                            <p:txEl>
+                                              <p:pRg st="0" end="0"/>
+                                            </p:txEl>
+                                          </p:spTgt>
+                                        </p:tgtEl>
+                                        <p:attrNameLst>
+                                          <p:attrName>style.visibility</p:attrName>
+                                        </p:attrNameLst>
+                                      </p:cBhvr>
+                                      <p:to>
+                                        <p:strVal val="visible"/>
+                                      </p:to>
+                                    </p:set>
+                                    <p:animEffect transition="in" filter="fade">
+                                      <p:cBhvr>
+                                        <p:cTn id="7" dur="1000"/>
+                                        <p:tgtEl>
+                                          <p:spTgt spid="3">
+                                            <p:txEl>
+                                              <p:pRg st="0" end="0"/>
+                                            </p:txEl>
+                                          </p:spTgt>
+                                        </p:tgtEl>
+                                      </p:cBhvr>
+                                    </p:animEffect>
+                                    <p:anim calcmode="lin" valueType="num">
+                                      <p:cBhvr>
+                                        <p:cTn id="8" dur="1000" fill="hold"/>
+                                        <p:tgtEl>
+                                          <p:spTgt spid="3">
+                                            <p:txEl>
+                                              <p:pRg st="0" end="0"/>
+                                            </p:txEl>
+                                          </p:spTgt>
+                                        </p:tgtEl>
+                                        <p:attrNameLst>
+                                          <p:attrName>ppt_x</p:attrName>
+                                        </p:attrNameLst>
+                                      </p:cBhvr>
+                                      <p:tavLst>
+                                        <p:tav tm="0">
+                                          <p:val>
+                                            <p:strVal val="#ppt_x"/>
+                                          </p:val>
+                                        </p:tav>
+                                        <p:tav tm="100000">
+                                          <p:val>
+                                            <p:strVal val="#ppt_x"/>
+                                          </p:val>
+                                        </p:tav>
+                                      </p:tavLst>
+                                    </p:anim>
+                                    <p:anim calcmode="lin" valueType="num">
+                                      <p:cBhvr>
+                                        <p:cTn id="9" dur="1000" fill="hold"/>
+                                        <p:tgtEl>
+                                          <p:spTgt spid="3">
+                                            <p:txEl>
+                                              <p:pRg st="0" end="0"/>
+                                            </p:txEl>
+                                          </p:spTgt>
+                                        </p:tgtEl>
+                                        <p:attrNameLst>
+                                          <p:attrName>ppt_y</p:attrName>
+                                        </p:attrNameLst>
+                                      </p:cBhvr>
+                                      <p:tavLst>
+                                        <p:tav tm="0">
+                                          <p:val>
+                                            <p:strVal val="#ppt_y+.1"/>
+                                          </p:val>
+                                        </p:tav>
+                                        <p:tav tm="100000">
+                                          <p:val>
+                                            <p:strVal val="#ppt_y"/>
+                                          </p:val>
+                                        </p:tav>
+                                      </p:tavLst>
+                                    </p:anim>
+                                  </p:childTnLst>
+                                </p:cTn>
+                              </p:par>
+                            </p:childTnLst>
+                          </p:cTn>
+                        </p:par>
+                      </p:childTnLst>
+                    </p:cTn>
+                  </p:par>
+                  <p:par>
+                    <p:cTn id="10" fill="hold">
+                      <p:stCondLst>
+                        <p:cond delay="indefinite"/>
+                      </p:stCondLst>
+                      <p:childTnLst>
+                        <p:par>
+                          <p:cTn id="11" fill="hold">
+                            <p:stCondLst>
+                              <p:cond delay="0"/>
+                            </p:stCondLst>
+                            <p:childTnLst>
+                              <p:par>
+                                <p:cTn id="12" presetID="42" presetClass="entr" presetSubtype="0" fill="hold" nodeType="clickEffect">
+                                  <p:stCondLst>
+                                    <p:cond delay="0"/>
+                                  </p:stCondLst>
+                                  <p:childTnLst>
+                                    <p:set>
+                                      <p:cBhvr>
+                                        <p:cTn id="13" dur="1" fill="hold">
+                                          <p:stCondLst>
+                                            <p:cond delay="0"/>
+                                          </p:stCondLst>
+                                        </p:cTn>
+                                        <p:tgtEl>
+                                          <p:spTgt spid="3">
+                                            <p:txEl>
+                                              <p:pRg st="1" end="1"/>
+                                            </p:txEl>
+                                          </p:spTgt>
+                                        </p:tgtEl>
+                                        <p:attrNameLst>
+                                          <p:attrName>style.visibility</p:attrName>
+                                        </p:attrNameLst>
+                                      </p:cBhvr>
+                                      <p:to>
+                                        <p:strVal val="visible"/>
+                                      </p:to>
+                                    </p:set>
+                                    <p:animEffect transition="in" filter="fade">
+                                      <p:cBhvr>
+                                        <p:cTn id="14" dur="1000"/>
+                                        <p:tgtEl>
+                                          <p:spTgt spid="3">
+                                            <p:txEl>
+                                              <p:pRg st="1" end="1"/>
+                                            </p:txEl>
+                                          </p:spTgt>
+                                        </p:tgtEl>
+                                      </p:cBhvr>
+                                    </p:animEffect>
+                                    <p:anim calcmode="lin" valueType="num">
+                                      <p:cBhvr>
+                                        <p:cTn id="15" dur="1000" fill="hold"/>
+                                        <p:tgtEl>
+                                          <p:spTgt spid="3">
+                                            <p:txEl>
+                                              <p:pRg st="1" end="1"/>
+                                            </p:txEl>
+                                          </p:spTgt>
+                                        </p:tgtEl>
+                                        <p:attrNameLst>
+                                          <p:attrName>ppt_x</p:attrName>
+                                        </p:attrNameLst>
+                                      </p:cBhvr>
+                                      <p:tavLst>
+                                        <p:tav tm="0">
+                                          <p:val>
+                                            <p:strVal val="#ppt_x"/>
+                                          </p:val>
+                                        </p:tav>
+                                        <p:tav tm="100000">
+                                          <p:val>
+                                            <p:strVal val="#ppt_x"/>
+                                          </p:val>
+                                        </p:tav>
+                                      </p:tavLst>
+                                    </p:anim>
+                                    <p:anim calcmode="lin" valueType="num">
+                                      <p:cBhvr>
+                                        <p:cTn id="16" dur="1000" fill="hold"/>
+                                        <p:tgtEl>
+                                          <p:spTgt spid="3">
+                                            <p:txEl>
+                                              <p:pRg st="1" end="1"/>
+                                            </p:txEl>
+                                          </p:spTgt>
+                                        </p:tgtEl>
+                                        <p:attrNameLst>
+                                          <p:attrName>ppt_y</p:attrName>
+                                        </p:attrNameLst>
+                                      </p:cBhvr>
+                                      <p:tavLst>
+                                        <p:tav tm="0">
+                                          <p:val>
+                                            <p:strVal val="#ppt_y+.1"/>
+                                          </p:val>
+                                        </p:tav>
+                                        <p:tav tm="100000">
+                                          <p:val>
+                                            <p:strVal val="#ppt_y"/>
+                                          </p:val>
+                                        </p:tav>
+                                      </p:tavLst>
+                                    </p:anim>
+                                  </p:childTnLst>
+                                </p:cTn>
+                              </p:par>
+                            </p:childTnLst>
+                          </p:cTn>
+                        </p:par>
+                      </p:childTnLst>
+                    </p:cTn>
+                  </p:par>
+                  <p:par>
+                    <p:cTn id="17" fill="hold">
+                      <p:stCondLst>
+                        <p:cond delay="indefinite"/>
+                      </p:stCondLst>
+                      <p:childTnLst>
+                        <p:par>
+                          <p:cTn id="18" fill="hold">
+                            <p:stCondLst>
+                              <p:cond delay="0"/>
+                            </p:stCondLst>
+                            <p:childTnLst>
+                              <p:par>
+                                <p:cTn id="19" presetID="42" presetClass="entr" presetSubtype="0" fill="hold" nodeType="clickEffect">
+                                  <p:stCondLst>
+                                    <p:cond delay="0"/>
+                                  </p:stCondLst>
+                                  <p:childTnLst>
+                                    <p:set>
+                                      <p:cBhvr>
+                                        <p:cTn id="20" dur="1" fill="hold">
+                                          <p:stCondLst>
+                                            <p:cond delay="0"/>
+                                          </p:stCondLst>
+                                        </p:cTn>
+                                        <p:tgtEl>
+                                          <p:spTgt spid="5"/>
+                                        </p:tgtEl>
+                                        <p:attrNameLst>
+                                          <p:attrName>style.visibility</p:attrName>
+                                        </p:attrNameLst>
+                                      </p:cBhvr>
+                                      <p:to>
+                                        <p:strVal val="visible"/>
+                                      </p:to>
+                                    </p:set>
+                                    <p:animEffect transition="in" filter="fade">
+                                      <p:cBhvr>
+                                        <p:cTn id="21" dur="1000"/>
+                                        <p:tgtEl>
+                                          <p:spTgt spid="5"/>
+                                        </p:tgtEl>
+                                      </p:cBhvr>
+                                    </p:animEffect>
+                                    <p:anim calcmode="lin" valueType="num">
+                                      <p:cBhvr>
+                                        <p:cTn id="22" dur="1000" fill="hold"/>
+                                        <p:tgtEl>
+                                          <p:spTgt spid="5"/>
+                                        </p:tgtEl>
+                                        <p:attrNameLst>
+                                          <p:attrName>ppt_x</p:attrName>
+                                        </p:attrNameLst>
+                                      </p:cBhvr>
+                                      <p:tavLst>
+                                        <p:tav tm="0">
+                                          <p:val>
+                                            <p:strVal val="#ppt_x"/>
+                                          </p:val>
+                                        </p:tav>
+                                        <p:tav tm="100000">
+                                          <p:val>
+                                            <p:strVal val="#ppt_x"/>
+                                          </p:val>
+                                        </p:tav>
+                                      </p:tavLst>
+                                    </p:anim>
+                                    <p:anim calcmode="lin" valueType="num">
+                                      <p:cBhvr>
+                                        <p:cTn id="23" dur="1000" fill="hold"/>
+                                        <p:tgtEl>
+                                          <p:spTgt spid="5"/>
+                                        </p:tgtEl>
+                                        <p:attrNameLst>
+                                          <p:attrName>ppt_y</p:attrName>
+                                        </p:attrNameLst>
+                                      </p:cBhvr>
+                                      <p:tavLst>
+                                        <p:tav tm="0">
+                                          <p:val>
+                                            <p:strVal val="#ppt_y+.1"/>
+                                          </p:val>
+                                        </p:tav>
+                                        <p:tav tm="100000">
+                                          <p:val>
+                                            <p:strVal val="#ppt_y"/>
+                                          </p:val>
+                                        </p:tav>
+                                      </p:tavLst>
+                                    </p:anim>
+                                  </p:childTnLst>
+                                </p:cTn>
+                              </p:par>
+                            </p:childTnLst>
+                          </p:cTn>
+                        </p:par>
+                      </p:childTnLst>
+                    </p:cTn>
+                  </p:par>
+                </p:childTnLst>
+              </p:cTn>
+              <p:prevCondLst>
+                <p:cond evt="onPrev" delay="0">
+                  <p:tgtEl>
+                    <p:sldTgt/>
+                  </p:tgtEl>
+                </p:cond>
+              </p:prevCondLst>
+              <p:nextCondLst>
+                <p:cond evt="onNext" delay="0">
+                  <p:tgtEl>
+                    <p:sldTgt/>
+                  </p:tgtEl>
+                </p:cond>
+              </p:nextCondLst>
+            </p:seq>
+          </p:childTnLst>
+        </p:cTn>
+      </p:par>
+    </p:tnLst>
+  </p:timing>
+</p:sld>
+</file>
+
+<file path=ppt/slides/slide6.xml><?xml version="1.0" encoding="utf-8"?>
+<p:sld xmlns:a="http://schemas.openxmlformats.org/drawingml/2006/main" xmlns:r="http://schemas.openxmlformats.org/officeDocument/2006/relationships" xmlns:p="http://schemas.openxmlformats.org/presentationml/2006/main">
+  <p:cSld>
+    <p:spTree>
+      <p:nvGrpSpPr>
+        <p:cNvPr id="1" name=""/>
+        <p:cNvGrpSpPr/>
+        <p:nvPr/>
+      </p:nvGrpSpPr>
+      <p:grpSpPr>
+        <a:xfrm>
+          <a:off x="0" y="0"/>
+          <a:ext cx="0" cy="0"/>
+          <a:chOff x="0" y="0"/>
+          <a:chExt cx="0" cy="0"/>
+        </a:xfrm>
+      </p:grpSpPr>
+      <p:sp>
+        <p:nvSpPr>
+          <p:cNvPr id="2" name="Заголовок 1">
+            <a:extLst>
+              <a:ext uri="{FF2B5EF4-FFF2-40B4-BE49-F238E27FC236}">
+                <a16:creationId xmlns:a16="http://schemas.microsoft.com/office/drawing/2014/main" id="{3963D264-029F-4491-912A-95753309BCE0}"/>
+              </a:ext>
+            </a:extLst>
+          </p:cNvPr>
+          <p:cNvSpPr>
+            <a:spLocks noGrp="1"/>
+          </p:cNvSpPr>
+          <p:nvPr>
+            <p:ph type="title"/>
+          </p:nvPr>
+        </p:nvSpPr>
+        <p:spPr>
+          <a:xfrm>
+            <a:off x="0" y="0"/>
+            <a:ext cx="8500188" cy="886408"/>
+          </a:xfrm>
+        </p:spPr>
+        <p:txBody>
+          <a:bodyPr/>
+          <a:lstStyle/>
+          <a:p>
+            <a:r>
+              <a:rPr lang="ru-RU" dirty="0"/>
+              <a:t>Изменение поля и сама игра</a:t>
+            </a:r>
+          </a:p>
+        </p:txBody>
+      </p:sp>
+      <p:sp>
+        <p:nvSpPr>
+          <p:cNvPr id="3" name="Объект 2">
+            <a:extLst>
+              <a:ext uri="{FF2B5EF4-FFF2-40B4-BE49-F238E27FC236}">
+                <a16:creationId xmlns:a16="http://schemas.microsoft.com/office/drawing/2014/main" id="{DDBF7F4D-8D08-476E-80D5-6B8B255E571F}"/>
+              </a:ext>
+            </a:extLst>
+          </p:cNvPr>
+          <p:cNvSpPr>
+            <a:spLocks noGrp="1"/>
+          </p:cNvSpPr>
+          <p:nvPr>
+            <p:ph idx="1"/>
+          </p:nvPr>
+        </p:nvSpPr>
+        <p:spPr>
+          <a:xfrm>
+            <a:off x="0" y="886408"/>
+            <a:ext cx="6904653" cy="3880773"/>
+          </a:xfrm>
+        </p:spPr>
+        <p:txBody>
+          <a:bodyPr>
+            <a:normAutofit/>
+          </a:bodyPr>
+          <a:lstStyle/>
+          <a:p>
+            <a:pPr marL="514350" indent="-514350">
+              <a:buFont typeface="+mj-lt"/>
+              <a:buAutoNum type="arabicPeriod"/>
+            </a:pPr>
+            <a:r>
+              <a:rPr lang="ru-RU" sz="2800" dirty="0">
+                <a:latin typeface="+mj-lt"/>
+              </a:rPr>
+              <a:t>Происходит благодаря двум ползункам, которые имеют изначально значение поля 4 на 4.</a:t>
+            </a:r>
+          </a:p>
+          <a:p>
+            <a:pPr marL="514350" indent="-514350">
+              <a:buFont typeface="+mj-lt"/>
+              <a:buAutoNum type="arabicPeriod"/>
+            </a:pPr>
+            <a:r>
+              <a:rPr lang="ru-RU" sz="2800" dirty="0">
+                <a:latin typeface="+mj-lt"/>
+              </a:rPr>
+              <a:t>В самой игре идет запись очков персонажа, его рекорд, кнопки рестарта и возврата хода</a:t>
+            </a:r>
+          </a:p>
+        </p:txBody>
+      </p:sp>
+      <p:pic>
+        <p:nvPicPr>
+          <p:cNvPr id="7" name="Рисунок 6">
+            <a:extLst>
+              <a:ext uri="{FF2B5EF4-FFF2-40B4-BE49-F238E27FC236}">
+                <a16:creationId xmlns:a16="http://schemas.microsoft.com/office/drawing/2014/main" id="{4C421EE7-DC8D-4EAB-B1CE-D94A4C899212}"/>
+              </a:ext>
+            </a:extLst>
+          </p:cNvPr>
+          <p:cNvPicPr>
+            <a:picLocks noChangeAspect="1"/>
+          </p:cNvPicPr>
+          <p:nvPr/>
+        </p:nvPicPr>
+        <p:blipFill>
+          <a:blip r:embed="rId2"/>
+          <a:stretch>
+            <a:fillRect/>
+          </a:stretch>
+        </p:blipFill>
+        <p:spPr>
+          <a:xfrm>
+            <a:off x="6904653" y="459168"/>
+            <a:ext cx="4433450" cy="6156751"/>
+          </a:xfrm>
+          <a:prstGeom prst="rect">
+            <a:avLst/>
+          </a:prstGeom>
+        </p:spPr>
+      </p:pic>
+    </p:spTree>
+    <p:extLst>
+      <p:ext uri="{BB962C8B-B14F-4D97-AF65-F5344CB8AC3E}">
+        <p14:creationId xmlns:p14="http://schemas.microsoft.com/office/powerpoint/2010/main" val="2557165256"/>
+      </p:ext>
+    </p:extLst>
+  </p:cSld>
+  <p:clrMapOvr>
+    <a:masterClrMapping/>
+  </p:clrMapOvr>
+  <p:timing>
+    <p:tnLst>
+      <p:par>
+        <p:cTn id="1" dur="indefinite" restart="never" nodeType="tmRoot">
+          <p:childTnLst>
+            <p:seq concurrent="1" nextAc="seek">
+              <p:cTn id="2" dur="indefinite" nodeType="mainSeq">
+                <p:childTnLst>
+                  <p:par>
+                    <p:cTn id="3" fill="hold">
+                      <p:stCondLst>
+                        <p:cond delay="indefinite"/>
+                      </p:stCondLst>
+                      <p:childTnLst>
+                        <p:par>
+                          <p:cTn id="4" fill="hold">
+                            <p:stCondLst>
+                              <p:cond delay="0"/>
+                            </p:stCondLst>
+                            <p:childTnLst>
+                              <p:par>
+                                <p:cTn id="5" presetID="42" presetClass="entr" presetSubtype="0" fill="hold" nodeType="clickEffect">
+                                  <p:stCondLst>
+                                    <p:cond delay="0"/>
+                                  </p:stCondLst>
+                                  <p:childTnLst>
+                                    <p:set>
+                                      <p:cBhvr>
+                                        <p:cTn id="6" dur="1" fill="hold">
+                                          <p:stCondLst>
+                                            <p:cond delay="0"/>
+                                          </p:stCondLst>
+                                        </p:cTn>
+                                        <p:tgtEl>
+                                          <p:spTgt spid="3">
+                                            <p:txEl>
+                                              <p:pRg st="0" end="0"/>
+                                            </p:txEl>
+                                          </p:spTgt>
+                                        </p:tgtEl>
+                                        <p:attrNameLst>
+                                          <p:attrName>style.visibility</p:attrName>
+                                        </p:attrNameLst>
+                                      </p:cBhvr>
+                                      <p:to>
+                                        <p:strVal val="visible"/>
+                                      </p:to>
+                                    </p:set>
+                                    <p:animEffect transition="in" filter="fade">
+                                      <p:cBhvr>
+                                        <p:cTn id="7" dur="1000"/>
+                                        <p:tgtEl>
+                                          <p:spTgt spid="3">
+                                            <p:txEl>
+                                              <p:pRg st="0" end="0"/>
+                                            </p:txEl>
+                                          </p:spTgt>
+                                        </p:tgtEl>
+                                      </p:cBhvr>
+                                    </p:animEffect>
+                                    <p:anim calcmode="lin" valueType="num">
+                                      <p:cBhvr>
+                                        <p:cTn id="8" dur="1000" fill="hold"/>
+                                        <p:tgtEl>
+                                          <p:spTgt spid="3">
+                                            <p:txEl>
+                                              <p:pRg st="0" end="0"/>
+                                            </p:txEl>
+                                          </p:spTgt>
+                                        </p:tgtEl>
+                                        <p:attrNameLst>
+                                          <p:attrName>ppt_x</p:attrName>
+                                        </p:attrNameLst>
+                                      </p:cBhvr>
+                                      <p:tavLst>
+                                        <p:tav tm="0">
+                                          <p:val>
+                                            <p:strVal val="#ppt_x"/>
+                                          </p:val>
+                                        </p:tav>
+                                        <p:tav tm="100000">
+                                          <p:val>
+                                            <p:strVal val="#ppt_x"/>
+                                          </p:val>
+                                        </p:tav>
+                                      </p:tavLst>
+                                    </p:anim>
+                                    <p:anim calcmode="lin" valueType="num">
+                                      <p:cBhvr>
+                                        <p:cTn id="9" dur="1000" fill="hold"/>
+                                        <p:tgtEl>
+                                          <p:spTgt spid="3">
+                                            <p:txEl>
+                                              <p:pRg st="0" end="0"/>
+                                            </p:txEl>
+                                          </p:spTgt>
+                                        </p:tgtEl>
+                                        <p:attrNameLst>
+                                          <p:attrName>ppt_y</p:attrName>
+                                        </p:attrNameLst>
+                                      </p:cBhvr>
+                                      <p:tavLst>
+                                        <p:tav tm="0">
+                                          <p:val>
+                                            <p:strVal val="#ppt_y+.1"/>
+                                          </p:val>
+                                        </p:tav>
+                                        <p:tav tm="100000">
+                                          <p:val>
+                                            <p:strVal val="#ppt_y"/>
+                                          </p:val>
+                                        </p:tav>
+                                      </p:tavLst>
+                                    </p:anim>
+                                  </p:childTnLst>
+                                </p:cTn>
+                              </p:par>
+                            </p:childTnLst>
+                          </p:cTn>
+                        </p:par>
+                      </p:childTnLst>
+                    </p:cTn>
+                  </p:par>
+                  <p:par>
+                    <p:cTn id="10" fill="hold">
+                      <p:stCondLst>
+                        <p:cond delay="indefinite"/>
+                      </p:stCondLst>
+                      <p:childTnLst>
+                        <p:par>
+                          <p:cTn id="11" fill="hold">
+                            <p:stCondLst>
+                              <p:cond delay="0"/>
+                            </p:stCondLst>
+                            <p:childTnLst>
+                              <p:par>
+                                <p:cTn id="12" presetID="42" presetClass="entr" presetSubtype="0" fill="hold" nodeType="clickEffect">
+                                  <p:stCondLst>
+                                    <p:cond delay="0"/>
+                                  </p:stCondLst>
+                                  <p:childTnLst>
+                                    <p:set>
+                                      <p:cBhvr>
+                                        <p:cTn id="13" dur="1" fill="hold">
+                                          <p:stCondLst>
+                                            <p:cond delay="0"/>
+                                          </p:stCondLst>
+                                        </p:cTn>
+                                        <p:tgtEl>
+                                          <p:spTgt spid="3">
+                                            <p:txEl>
+                                              <p:pRg st="1" end="1"/>
+                                            </p:txEl>
+                                          </p:spTgt>
+                                        </p:tgtEl>
+                                        <p:attrNameLst>
+                                          <p:attrName>style.visibility</p:attrName>
+                                        </p:attrNameLst>
+                                      </p:cBhvr>
+                                      <p:to>
+                                        <p:strVal val="visible"/>
+                                      </p:to>
+                                    </p:set>
+                                    <p:animEffect transition="in" filter="fade">
+                                      <p:cBhvr>
+                                        <p:cTn id="14" dur="1000"/>
+                                        <p:tgtEl>
+                                          <p:spTgt spid="3">
+                                            <p:txEl>
+                                              <p:pRg st="1" end="1"/>
+                                            </p:txEl>
+                                          </p:spTgt>
+                                        </p:tgtEl>
+                                      </p:cBhvr>
+                                    </p:animEffect>
+                                    <p:anim calcmode="lin" valueType="num">
+                                      <p:cBhvr>
+                                        <p:cTn id="15" dur="1000" fill="hold"/>
+                                        <p:tgtEl>
+                                          <p:spTgt spid="3">
+                                            <p:txEl>
+                                              <p:pRg st="1" end="1"/>
+                                            </p:txEl>
+                                          </p:spTgt>
+                                        </p:tgtEl>
+                                        <p:attrNameLst>
+                                          <p:attrName>ppt_x</p:attrName>
+                                        </p:attrNameLst>
+                                      </p:cBhvr>
+                                      <p:tavLst>
+                                        <p:tav tm="0">
+                                          <p:val>
+                                            <p:strVal val="#ppt_x"/>
+                                          </p:val>
+                                        </p:tav>
+                                        <p:tav tm="100000">
+                                          <p:val>
+                                            <p:strVal val="#ppt_x"/>
+                                          </p:val>
+                                        </p:tav>
+                                      </p:tavLst>
+                                    </p:anim>
+                                    <p:anim calcmode="lin" valueType="num">
+                                      <p:cBhvr>
+                                        <p:cTn id="16" dur="1000" fill="hold"/>
+                                        <p:tgtEl>
+                                          <p:spTgt spid="3">
+                                            <p:txEl>
+                                              <p:pRg st="1" end="1"/>
+                                            </p:txEl>
+                                          </p:spTgt>
+                                        </p:tgtEl>
+                                        <p:attrNameLst>
+                                          <p:attrName>ppt_y</p:attrName>
+                                        </p:attrNameLst>
+                                      </p:cBhvr>
+                                      <p:tavLst>
+                                        <p:tav tm="0">
+                                          <p:val>
+                                            <p:strVal val="#ppt_y+.1"/>
+                                          </p:val>
+                                        </p:tav>
+                                        <p:tav tm="100000">
+                                          <p:val>
+                                            <p:strVal val="#ppt_y"/>
+                                          </p:val>
+                                        </p:tav>
+                                      </p:tavLst>
+                                    </p:anim>
+                                  </p:childTnLst>
+                                </p:cTn>
+                              </p:par>
+                            </p:childTnLst>
+                          </p:cTn>
+                        </p:par>
+                      </p:childTnLst>
+                    </p:cTn>
+                  </p:par>
+                  <p:par>
+                    <p:cTn id="17" fill="hold">
+                      <p:stCondLst>
+                        <p:cond delay="indefinite"/>
+                      </p:stCondLst>
+                      <p:childTnLst>
+                        <p:par>
+                          <p:cTn id="18" fill="hold">
+                            <p:stCondLst>
+                              <p:cond delay="0"/>
+                            </p:stCondLst>
+                            <p:childTnLst>
+                              <p:par>
+                                <p:cTn id="19" presetID="42" presetClass="entr" presetSubtype="0" fill="hold" nodeType="clickEffect">
+                                  <p:stCondLst>
+                                    <p:cond delay="0"/>
+                                  </p:stCondLst>
+                                  <p:childTnLst>
+                                    <p:set>
+                                      <p:cBhvr>
+                                        <p:cTn id="20" dur="1" fill="hold">
+                                          <p:stCondLst>
+                                            <p:cond delay="0"/>
+                                          </p:stCondLst>
+                                        </p:cTn>
+                                        <p:tgtEl>
+                                          <p:spTgt spid="7"/>
+                                        </p:tgtEl>
+                                        <p:attrNameLst>
+                                          <p:attrName>style.visibility</p:attrName>
+                                        </p:attrNameLst>
+                                      </p:cBhvr>
+                                      <p:to>
+                                        <p:strVal val="visible"/>
+                                      </p:to>
+                                    </p:set>
+                                    <p:animEffect transition="in" filter="fade">
+                                      <p:cBhvr>
+                                        <p:cTn id="21" dur="1000"/>
+                                        <p:tgtEl>
+                                          <p:spTgt spid="7"/>
+                                        </p:tgtEl>
+                                      </p:cBhvr>
+                                    </p:animEffect>
+                                    <p:anim calcmode="lin" valueType="num">
+                                      <p:cBhvr>
+                                        <p:cTn id="22" dur="1000" fill="hold"/>
+                                        <p:tgtEl>
+                                          <p:spTgt spid="7"/>
+                                        </p:tgtEl>
+                                        <p:attrNameLst>
+                                          <p:attrName>ppt_x</p:attrName>
+                                        </p:attrNameLst>
+                                      </p:cBhvr>
+                                      <p:tavLst>
+                                        <p:tav tm="0">
+                                          <p:val>
+                                            <p:strVal val="#ppt_x"/>
+                                          </p:val>
+                                        </p:tav>
+                                        <p:tav tm="100000">
+                                          <p:val>
+                                            <p:strVal val="#ppt_x"/>
+                                          </p:val>
+                                        </p:tav>
+                                      </p:tavLst>
+                                    </p:anim>
+                                    <p:anim calcmode="lin" valueType="num">
+                                      <p:cBhvr>
+                                        <p:cTn id="23" dur="1000" fill="hold"/>
+                                        <p:tgtEl>
+                                          <p:spTgt spid="7"/>
+                                        </p:tgtEl>
+                                        <p:attrNameLst>
+                                          <p:attrName>ppt_y</p:attrName>
+                                        </p:attrNameLst>
+                                      </p:cBhvr>
+                                      <p:tavLst>
+                                        <p:tav tm="0">
+                                          <p:val>
+                                            <p:strVal val="#ppt_y+.1"/>
+                                          </p:val>
+                                        </p:tav>
+                                        <p:tav tm="100000">
+                                          <p:val>
+                                            <p:strVal val="#ppt_y"/>
+                                          </p:val>
+                                        </p:tav>
+                                      </p:tavLst>
+                                    </p:anim>
+                                  </p:childTnLst>
+                                </p:cTn>
+                              </p:par>
+                            </p:childTnLst>
+                          </p:cTn>
+                        </p:par>
+                      </p:childTnLst>
+                    </p:cTn>
+                  </p:par>
+                </p:childTnLst>
+              </p:cTn>
+              <p:prevCondLst>
+                <p:cond evt="onPrev" delay="0">
+                  <p:tgtEl>
+                    <p:sldTgt/>
+                  </p:tgtEl>
+                </p:cond>
+              </p:prevCondLst>
+              <p:nextCondLst>
+                <p:cond evt="onNext" delay="0">
+                  <p:tgtEl>
+                    <p:sldTgt/>
+                  </p:tgtEl>
+                </p:cond>
+              </p:nextCondLst>
+            </p:seq>
+          </p:childTnLst>
+        </p:cTn>
+      </p:par>
+    </p:tnLst>
+  </p:timing>
 </p:sld>
 </file>
 

--- a/презентация к проекту 2048.pptx
+++ b/презентация к проекту 2048.pptx
@@ -7,10 +7,8 @@
   <p:sldIdLst>
     <p:sldId id="256" r:id="rId2"/>
     <p:sldId id="257" r:id="rId3"/>
-    <p:sldId id="261" r:id="rId4"/>
-    <p:sldId id="258" r:id="rId5"/>
-    <p:sldId id="259" r:id="rId6"/>
-    <p:sldId id="260" r:id="rId7"/>
+    <p:sldId id="263" r:id="rId4"/>
+    <p:sldId id="262" r:id="rId5"/>
   </p:sldIdLst>
   <p:sldSz cx="12192000" cy="6858000"/>
   <p:notesSz cx="6858000" cy="9144000"/>
@@ -839,7 +837,7 @@
           <a:p>
             <a:fld id="{FFF621AC-D309-4402-BE7A-528511A16658}" type="datetimeFigureOut">
               <a:rPr lang="ru-RU" smtClean="0"/>
-              <a:t>11.11.2021</a:t>
+              <a:t>12.11.2021</a:t>
             </a:fld>
             <a:endParaRPr lang="ru-RU"/>
           </a:p>
@@ -897,6 +895,9 @@
   <p:clrMapOvr>
     <a:masterClrMapping/>
   </p:clrMapOvr>
+  <p:transition spd="slow">
+    <p:push dir="u"/>
+  </p:transition>
 </p:sldLayout>
 </file>
 
@@ -1090,7 +1091,7 @@
           <a:p>
             <a:fld id="{FFF621AC-D309-4402-BE7A-528511A16658}" type="datetimeFigureOut">
               <a:rPr lang="ru-RU" smtClean="0"/>
-              <a:t>11.11.2021</a:t>
+              <a:t>12.11.2021</a:t>
             </a:fld>
             <a:endParaRPr lang="ru-RU"/>
           </a:p>
@@ -1148,6 +1149,9 @@
   <p:clrMapOvr>
     <a:masterClrMapping/>
   </p:clrMapOvr>
+  <p:transition spd="slow">
+    <p:push dir="u"/>
+  </p:transition>
 </p:sldLayout>
 </file>
 
@@ -1404,7 +1408,7 @@
           <a:p>
             <a:fld id="{FFF621AC-D309-4402-BE7A-528511A16658}" type="datetimeFigureOut">
               <a:rPr lang="ru-RU" smtClean="0"/>
-              <a:t>11.11.2021</a:t>
+              <a:t>12.11.2021</a:t>
             </a:fld>
             <a:endParaRPr lang="ru-RU"/>
           </a:p>
@@ -1552,6 +1556,9 @@
   <p:clrMapOvr>
     <a:masterClrMapping/>
   </p:clrMapOvr>
+  <p:transition spd="slow">
+    <p:push dir="u"/>
+  </p:transition>
 </p:sldLayout>
 </file>
 
@@ -1745,7 +1752,7 @@
           <a:p>
             <a:fld id="{FFF621AC-D309-4402-BE7A-528511A16658}" type="datetimeFigureOut">
               <a:rPr lang="ru-RU" smtClean="0"/>
-              <a:t>11.11.2021</a:t>
+              <a:t>12.11.2021</a:t>
             </a:fld>
             <a:endParaRPr lang="ru-RU"/>
           </a:p>
@@ -1803,6 +1810,9 @@
   <p:clrMapOvr>
     <a:masterClrMapping/>
   </p:clrMapOvr>
+  <p:transition spd="slow">
+    <p:push dir="u"/>
+  </p:transition>
 </p:sldLayout>
 </file>
 
@@ -2059,7 +2069,7 @@
           <a:p>
             <a:fld id="{FFF621AC-D309-4402-BE7A-528511A16658}" type="datetimeFigureOut">
               <a:rPr lang="ru-RU" smtClean="0"/>
-              <a:t>11.11.2021</a:t>
+              <a:t>12.11.2021</a:t>
             </a:fld>
             <a:endParaRPr lang="ru-RU"/>
           </a:p>
@@ -2199,6 +2209,9 @@
   <p:clrMapOvr>
     <a:masterClrMapping/>
   </p:clrMapOvr>
+  <p:transition spd="slow">
+    <p:push dir="u"/>
+  </p:transition>
 </p:sldLayout>
 </file>
 
@@ -2452,7 +2465,7 @@
           <a:p>
             <a:fld id="{FFF621AC-D309-4402-BE7A-528511A16658}" type="datetimeFigureOut">
               <a:rPr lang="ru-RU" smtClean="0"/>
-              <a:t>11.11.2021</a:t>
+              <a:t>12.11.2021</a:t>
             </a:fld>
             <a:endParaRPr lang="ru-RU"/>
           </a:p>
@@ -2510,6 +2523,9 @@
   <p:clrMapOvr>
     <a:masterClrMapping/>
   </p:clrMapOvr>
+  <p:transition spd="slow">
+    <p:push dir="u"/>
+  </p:transition>
 </p:sldLayout>
 </file>
 
@@ -2622,7 +2638,7 @@
           <a:p>
             <a:fld id="{FFF621AC-D309-4402-BE7A-528511A16658}" type="datetimeFigureOut">
               <a:rPr lang="ru-RU" smtClean="0"/>
-              <a:t>11.11.2021</a:t>
+              <a:t>12.11.2021</a:t>
             </a:fld>
             <a:endParaRPr lang="ru-RU"/>
           </a:p>
@@ -2680,6 +2696,9 @@
   <p:clrMapOvr>
     <a:masterClrMapping/>
   </p:clrMapOvr>
+  <p:transition spd="slow">
+    <p:push dir="u"/>
+  </p:transition>
 </p:sldLayout>
 </file>
 
@@ -2802,7 +2821,7 @@
           <a:p>
             <a:fld id="{FFF621AC-D309-4402-BE7A-528511A16658}" type="datetimeFigureOut">
               <a:rPr lang="ru-RU" smtClean="0"/>
-              <a:t>11.11.2021</a:t>
+              <a:t>12.11.2021</a:t>
             </a:fld>
             <a:endParaRPr lang="ru-RU"/>
           </a:p>
@@ -2860,6 +2879,9 @@
   <p:clrMapOvr>
     <a:masterClrMapping/>
   </p:clrMapOvr>
+  <p:transition spd="slow">
+    <p:push dir="u"/>
+  </p:transition>
 </p:sldLayout>
 </file>
 
@@ -2978,7 +3000,7 @@
           <a:p>
             <a:fld id="{FFF621AC-D309-4402-BE7A-528511A16658}" type="datetimeFigureOut">
               <a:rPr lang="ru-RU" smtClean="0"/>
-              <a:t>11.11.2021</a:t>
+              <a:t>12.11.2021</a:t>
             </a:fld>
             <a:endParaRPr lang="ru-RU"/>
           </a:p>
@@ -3036,6 +3058,9 @@
   <p:clrMapOvr>
     <a:masterClrMapping/>
   </p:clrMapOvr>
+  <p:transition spd="slow">
+    <p:push dir="u"/>
+  </p:transition>
 </p:sldLayout>
 </file>
 
@@ -3225,7 +3250,7 @@
           <a:p>
             <a:fld id="{FFF621AC-D309-4402-BE7A-528511A16658}" type="datetimeFigureOut">
               <a:rPr lang="ru-RU" smtClean="0"/>
-              <a:t>11.11.2021</a:t>
+              <a:t>12.11.2021</a:t>
             </a:fld>
             <a:endParaRPr lang="ru-RU"/>
           </a:p>
@@ -3283,6 +3308,9 @@
   <p:clrMapOvr>
     <a:masterClrMapping/>
   </p:clrMapOvr>
+  <p:transition spd="slow">
+    <p:push dir="u"/>
+  </p:transition>
 </p:sldLayout>
 </file>
 
@@ -3457,7 +3485,7 @@
           <a:p>
             <a:fld id="{FFF621AC-D309-4402-BE7A-528511A16658}" type="datetimeFigureOut">
               <a:rPr lang="ru-RU" smtClean="0"/>
-              <a:t>11.11.2021</a:t>
+              <a:t>12.11.2021</a:t>
             </a:fld>
             <a:endParaRPr lang="ru-RU"/>
           </a:p>
@@ -3515,6 +3543,9 @@
   <p:clrMapOvr>
     <a:masterClrMapping/>
   </p:clrMapOvr>
+  <p:transition spd="slow">
+    <p:push dir="u"/>
+  </p:transition>
 </p:sldLayout>
 </file>
 
@@ -3831,7 +3862,7 @@
           <a:p>
             <a:fld id="{FFF621AC-D309-4402-BE7A-528511A16658}" type="datetimeFigureOut">
               <a:rPr lang="ru-RU" smtClean="0"/>
-              <a:t>11.11.2021</a:t>
+              <a:t>12.11.2021</a:t>
             </a:fld>
             <a:endParaRPr lang="ru-RU"/>
           </a:p>
@@ -3889,6 +3920,9 @@
   <p:clrMapOvr>
     <a:masterClrMapping/>
   </p:clrMapOvr>
+  <p:transition spd="slow">
+    <p:push dir="u"/>
+  </p:transition>
 </p:sldLayout>
 </file>
 
@@ -3954,7 +3988,7 @@
           <a:p>
             <a:fld id="{FFF621AC-D309-4402-BE7A-528511A16658}" type="datetimeFigureOut">
               <a:rPr lang="ru-RU" smtClean="0"/>
-              <a:t>11.11.2021</a:t>
+              <a:t>12.11.2021</a:t>
             </a:fld>
             <a:endParaRPr lang="ru-RU"/>
           </a:p>
@@ -4012,6 +4046,9 @@
   <p:clrMapOvr>
     <a:masterClrMapping/>
   </p:clrMapOvr>
+  <p:transition spd="slow">
+    <p:push dir="u"/>
+  </p:transition>
 </p:sldLayout>
 </file>
 
@@ -4049,7 +4086,7 @@
           <a:p>
             <a:fld id="{FFF621AC-D309-4402-BE7A-528511A16658}" type="datetimeFigureOut">
               <a:rPr lang="ru-RU" smtClean="0"/>
-              <a:t>11.11.2021</a:t>
+              <a:t>12.11.2021</a:t>
             </a:fld>
             <a:endParaRPr lang="ru-RU"/>
           </a:p>
@@ -4107,6 +4144,9 @@
   <p:clrMapOvr>
     <a:masterClrMapping/>
   </p:clrMapOvr>
+  <p:transition spd="slow">
+    <p:push dir="u"/>
+  </p:transition>
 </p:sldLayout>
 </file>
 
@@ -4304,7 +4344,7 @@
           <a:p>
             <a:fld id="{FFF621AC-D309-4402-BE7A-528511A16658}" type="datetimeFigureOut">
               <a:rPr lang="ru-RU" smtClean="0"/>
-              <a:t>11.11.2021</a:t>
+              <a:t>12.11.2021</a:t>
             </a:fld>
             <a:endParaRPr lang="ru-RU"/>
           </a:p>
@@ -4362,6 +4402,9 @@
   <p:clrMapOvr>
     <a:masterClrMapping/>
   </p:clrMapOvr>
+  <p:transition spd="slow">
+    <p:push dir="u"/>
+  </p:transition>
 </p:sldLayout>
 </file>
 
@@ -4567,7 +4610,7 @@
           <a:p>
             <a:fld id="{FFF621AC-D309-4402-BE7A-528511A16658}" type="datetimeFigureOut">
               <a:rPr lang="ru-RU" smtClean="0"/>
-              <a:t>11.11.2021</a:t>
+              <a:t>12.11.2021</a:t>
             </a:fld>
             <a:endParaRPr lang="ru-RU"/>
           </a:p>
@@ -4625,6 +4668,9 @@
   <p:clrMapOvr>
     <a:masterClrMapping/>
   </p:clrMapOvr>
+  <p:transition spd="slow">
+    <p:push dir="u"/>
+  </p:transition>
 </p:sldLayout>
 </file>
 
@@ -5310,7 +5356,7 @@
           <a:p>
             <a:fld id="{FFF621AC-D309-4402-BE7A-528511A16658}" type="datetimeFigureOut">
               <a:rPr lang="ru-RU" smtClean="0"/>
-              <a:t>11.11.2021</a:t>
+              <a:t>12.11.2021</a:t>
             </a:fld>
             <a:endParaRPr lang="ru-RU"/>
           </a:p>
@@ -5418,6 +5464,9 @@
     <p:sldLayoutId id="2147483675" r:id="rId15"/>
     <p:sldLayoutId id="2147483676" r:id="rId16"/>
   </p:sldLayoutIdLst>
+  <p:transition spd="slow">
+    <p:push dir="u"/>
+  </p:transition>
   <p:txStyles>
     <p:titleStyle>
       <a:lvl1pPr algn="l" defTabSz="457200" rtl="0" eaLnBrk="1" latinLnBrk="0" hangingPunct="1">
@@ -5915,6 +5964,9 @@
   <p:clrMapOvr>
     <a:masterClrMapping/>
   </p:clrMapOvr>
+  <p:transition spd="slow">
+    <p:push dir="u"/>
+  </p:transition>
   <p:timing>
     <p:tnLst>
       <p:par>
@@ -6201,7 +6253,7 @@
           <a:p>
             <a:r>
               <a:rPr lang="ru-RU" dirty="0"/>
-              <a:t>Для чего нужна данная игра?</a:t>
+              <a:t>Актуальность темы</a:t>
             </a:r>
             <a:br>
               <a:rPr lang="ru-RU" dirty="0"/>
@@ -6241,8 +6293,8 @@
               <a:buAutoNum type="arabicPeriod"/>
             </a:pPr>
             <a:r>
-              <a:rPr lang="ru-RU" sz="2800" dirty="0"/>
-              <a:t>Для продаж в интернете и получении заработка.</a:t>
+              <a:rPr lang="ru-RU" sz="3200" dirty="0"/>
+              <a:t>Игра создана в целях продажи для масс игроков</a:t>
             </a:r>
           </a:p>
           <a:p>
@@ -6251,21 +6303,10 @@
               <a:buAutoNum type="arabicPeriod"/>
             </a:pPr>
             <a:r>
-              <a:rPr lang="ru-RU" sz="2800" dirty="0"/>
-              <a:t>Получение хорошего опыта в программировании на </a:t>
-            </a:r>
-            <a:r>
-              <a:rPr lang="en-US" sz="2800" dirty="0"/>
-              <a:t>Qt </a:t>
-            </a:r>
-            <a:r>
-              <a:rPr lang="ru-RU" sz="2800" dirty="0"/>
-              <a:t>и </a:t>
-            </a:r>
-            <a:r>
-              <a:rPr lang="en-US" sz="2800" dirty="0"/>
-              <a:t>python</a:t>
-            </a:r>
+              <a:rPr lang="ru-RU" sz="3200" dirty="0"/>
+              <a:t>Получение опыта при помощи создания игры.</a:t>
+            </a:r>
+            <a:endParaRPr lang="en-US" sz="3200" dirty="0"/>
           </a:p>
           <a:p>
             <a:pPr>
@@ -6300,6 +6341,9 @@
   <p:clrMapOvr>
     <a:masterClrMapping/>
   </p:clrMapOvr>
+  <p:transition spd="slow">
+    <p:push dir="u"/>
+  </p:transition>
   <p:timing>
     <p:tnLst>
       <p:par>
@@ -6561,7 +6605,7 @@
           <p:cNvPr id="2" name="Заголовок 1">
             <a:extLst>
               <a:ext uri="{FF2B5EF4-FFF2-40B4-BE49-F238E27FC236}">
-                <a16:creationId xmlns:a16="http://schemas.microsoft.com/office/drawing/2014/main" id="{96E7BC34-5775-496F-83F8-030E564D19D0}"/>
+                <a16:creationId xmlns:a16="http://schemas.microsoft.com/office/drawing/2014/main" id="{361087B2-D7FD-4B78-BAA7-5E6C0BF72DEC}"/>
               </a:ext>
             </a:extLst>
           </p:cNvPr>
@@ -6572,269 +6616,64 @@
             <p:ph type="title"/>
           </p:nvPr>
         </p:nvSpPr>
-        <p:spPr>
-          <a:xfrm>
-            <a:off x="14861" y="0"/>
-            <a:ext cx="8513319" cy="942392"/>
-          </a:xfrm>
-        </p:spPr>
+        <p:spPr/>
         <p:txBody>
           <a:bodyPr/>
           <a:lstStyle/>
           <a:p>
-            <a:r>
-              <a:rPr lang="ru-RU" dirty="0"/>
-              <a:t>Регистрация</a:t>
-            </a:r>
-          </a:p>
-        </p:txBody>
-      </p:sp>
-      <p:sp>
-        <p:nvSpPr>
-          <p:cNvPr id="3" name="Объект 2">
+            <a:endParaRPr lang="ru-RU" dirty="0"/>
+          </a:p>
+        </p:txBody>
+      </p:sp>
+      <p:pic>
+        <p:nvPicPr>
+          <p:cNvPr id="4" name="bandicam 2021-11-12 15-09-33-856">
+            <a:hlinkClick r:id="" action="ppaction://media"/>
             <a:extLst>
               <a:ext uri="{FF2B5EF4-FFF2-40B4-BE49-F238E27FC236}">
-                <a16:creationId xmlns:a16="http://schemas.microsoft.com/office/drawing/2014/main" id="{1BAB20CF-B4FC-4058-850E-FEDBD6FAC1D9}"/>
-              </a:ext>
-            </a:extLst>
-          </p:cNvPr>
-          <p:cNvSpPr>
-            <a:spLocks noGrp="1"/>
-          </p:cNvSpPr>
-          <p:nvPr>
-            <p:ph idx="1"/>
-          </p:nvPr>
-        </p:nvSpPr>
-        <p:spPr>
-          <a:xfrm>
-            <a:off x="14861" y="942392"/>
-            <a:ext cx="6768494" cy="3880773"/>
-          </a:xfrm>
-        </p:spPr>
-        <p:txBody>
-          <a:bodyPr>
-            <a:normAutofit/>
-          </a:bodyPr>
-          <a:lstStyle/>
-          <a:p>
-            <a:pPr marL="514350" indent="-514350">
-              <a:buFont typeface="+mj-lt"/>
-              <a:buAutoNum type="arabicPeriod"/>
-            </a:pPr>
-            <a:r>
-              <a:rPr lang="ru-RU" sz="2800" dirty="0"/>
-              <a:t>Регистрация проходит через введение логина и пароля.</a:t>
-            </a:r>
-          </a:p>
-          <a:p>
-            <a:pPr marL="514350" indent="-514350">
-              <a:buFont typeface="+mj-lt"/>
-              <a:buAutoNum type="arabicPeriod"/>
-            </a:pPr>
-            <a:r>
-              <a:rPr lang="ru-RU" sz="2800" dirty="0"/>
-              <a:t>При регистрации создаются все данные пользователя.</a:t>
-            </a:r>
-          </a:p>
-        </p:txBody>
-      </p:sp>
-      <p:pic>
-        <p:nvPicPr>
-          <p:cNvPr id="5" name="Рисунок 4">
-            <a:extLst>
-              <a:ext uri="{FF2B5EF4-FFF2-40B4-BE49-F238E27FC236}">
-                <a16:creationId xmlns:a16="http://schemas.microsoft.com/office/drawing/2014/main" id="{160C8AFD-98CC-4EC1-AAFE-737476582F0A}"/>
+                <a16:creationId xmlns:a16="http://schemas.microsoft.com/office/drawing/2014/main" id="{23964143-1B6D-437F-9147-7ADB56D44B51}"/>
               </a:ext>
             </a:extLst>
           </p:cNvPr>
           <p:cNvPicPr>
-            <a:picLocks noChangeAspect="1"/>
+            <a:picLocks noGrp="1" noChangeAspect="1"/>
           </p:cNvPicPr>
-          <p:nvPr/>
+          <p:nvPr>
+            <p:ph idx="1"/>
+            <a:videoFile r:link="rId2"/>
+            <p:extLst>
+              <p:ext uri="{DAA4B4D4-6D71-4841-9C94-3DE7FCFB9230}">
+                <p14:media xmlns:p14="http://schemas.microsoft.com/office/powerpoint/2010/main" r:embed="rId1"/>
+              </p:ext>
+            </p:extLst>
+          </p:nvPr>
         </p:nvPicPr>
         <p:blipFill>
-          <a:blip r:embed="rId2"/>
+          <a:blip r:embed="rId4"/>
           <a:stretch>
             <a:fillRect/>
           </a:stretch>
         </p:blipFill>
         <p:spPr>
           <a:xfrm>
-            <a:off x="8170338" y="237090"/>
-            <a:ext cx="3801005" cy="5077534"/>
+            <a:off x="1194600" y="-21403"/>
+            <a:ext cx="9802800" cy="6879403"/>
           </a:xfrm>
-          <a:prstGeom prst="rect">
-            <a:avLst/>
-          </a:prstGeom>
         </p:spPr>
       </p:pic>
     </p:spTree>
     <p:extLst>
       <p:ext uri="{BB962C8B-B14F-4D97-AF65-F5344CB8AC3E}">
-        <p14:creationId xmlns:p14="http://schemas.microsoft.com/office/powerpoint/2010/main" val="1920706736"/>
+        <p14:creationId xmlns:p14="http://schemas.microsoft.com/office/powerpoint/2010/main" val="186524794"/>
       </p:ext>
     </p:extLst>
   </p:cSld>
   <p:clrMapOvr>
     <a:masterClrMapping/>
   </p:clrMapOvr>
-</p:sld>
-</file>
-
-<file path=ppt/slides/slide4.xml><?xml version="1.0" encoding="utf-8"?>
-<p:sld xmlns:a="http://schemas.openxmlformats.org/drawingml/2006/main" xmlns:r="http://schemas.openxmlformats.org/officeDocument/2006/relationships" xmlns:p="http://schemas.openxmlformats.org/presentationml/2006/main">
-  <p:cSld>
-    <p:spTree>
-      <p:nvGrpSpPr>
-        <p:cNvPr id="1" name=""/>
-        <p:cNvGrpSpPr/>
-        <p:nvPr/>
-      </p:nvGrpSpPr>
-      <p:grpSpPr>
-        <a:xfrm>
-          <a:off x="0" y="0"/>
-          <a:ext cx="0" cy="0"/>
-          <a:chOff x="0" y="0"/>
-          <a:chExt cx="0" cy="0"/>
-        </a:xfrm>
-      </p:grpSpPr>
-      <p:sp>
-        <p:nvSpPr>
-          <p:cNvPr id="2" name="Заголовок 1">
-            <a:extLst>
-              <a:ext uri="{FF2B5EF4-FFF2-40B4-BE49-F238E27FC236}">
-                <a16:creationId xmlns:a16="http://schemas.microsoft.com/office/drawing/2014/main" id="{6AA81EEE-74E1-4644-BE55-FE220E0F6225}"/>
-              </a:ext>
-            </a:extLst>
-          </p:cNvPr>
-          <p:cNvSpPr>
-            <a:spLocks noGrp="1"/>
-          </p:cNvSpPr>
-          <p:nvPr>
-            <p:ph type="title"/>
-          </p:nvPr>
-        </p:nvSpPr>
-        <p:spPr>
-          <a:xfrm>
-            <a:off x="0" y="0"/>
-            <a:ext cx="8596668" cy="690465"/>
-          </a:xfrm>
-        </p:spPr>
-        <p:txBody>
-          <a:bodyPr/>
-          <a:lstStyle/>
-          <a:p>
-            <a:r>
-              <a:rPr lang="ru-RU" dirty="0"/>
-              <a:t>Особенности дизайна</a:t>
-            </a:r>
-          </a:p>
-        </p:txBody>
-      </p:sp>
-      <p:sp>
-        <p:nvSpPr>
-          <p:cNvPr id="3" name="Объект 2">
-            <a:extLst>
-              <a:ext uri="{FF2B5EF4-FFF2-40B4-BE49-F238E27FC236}">
-                <a16:creationId xmlns:a16="http://schemas.microsoft.com/office/drawing/2014/main" id="{63B73AB2-2CB7-422E-867B-D47985BF5F40}"/>
-              </a:ext>
-            </a:extLst>
-          </p:cNvPr>
-          <p:cNvSpPr>
-            <a:spLocks noGrp="1"/>
-          </p:cNvSpPr>
-          <p:nvPr>
-            <p:ph idx="1"/>
-          </p:nvPr>
-        </p:nvSpPr>
-        <p:spPr>
-          <a:xfrm>
-            <a:off x="0" y="690465"/>
-            <a:ext cx="9451910" cy="5350897"/>
-          </a:xfrm>
-        </p:spPr>
-        <p:txBody>
-          <a:bodyPr>
-            <a:normAutofit/>
-          </a:bodyPr>
-          <a:lstStyle/>
-          <a:p>
-            <a:pPr>
-              <a:buFont typeface="+mj-lt"/>
-              <a:buAutoNum type="arabicPeriod"/>
-            </a:pPr>
-            <a:r>
-              <a:rPr lang="ru-RU" sz="2400" dirty="0"/>
-              <a:t>Дизайн приложения полностью сделан в отдельной программе, название которой </a:t>
-            </a:r>
-            <a:r>
-              <a:rPr lang="en-US" sz="2400" dirty="0"/>
-              <a:t>Figma</a:t>
-            </a:r>
-          </a:p>
-          <a:p>
-            <a:pPr>
-              <a:buFont typeface="+mj-lt"/>
-              <a:buAutoNum type="arabicPeriod"/>
-            </a:pPr>
-            <a:r>
-              <a:rPr lang="ru-RU" sz="2400" dirty="0"/>
-              <a:t>Добавлены анимации на все кнопки</a:t>
-            </a:r>
-            <a:endParaRPr lang="en-US" sz="2400" dirty="0"/>
-          </a:p>
-          <a:p>
-            <a:pPr>
-              <a:buFont typeface="+mj-lt"/>
-              <a:buAutoNum type="arabicPeriod"/>
-            </a:pPr>
-            <a:r>
-              <a:rPr lang="ru-RU" sz="2400" dirty="0"/>
-              <a:t>Довольно долгая работа с изучением другого приложения</a:t>
-            </a:r>
-          </a:p>
-        </p:txBody>
-      </p:sp>
-      <p:pic>
-        <p:nvPicPr>
-          <p:cNvPr id="7" name="Рисунок 6">
-            <a:extLst>
-              <a:ext uri="{FF2B5EF4-FFF2-40B4-BE49-F238E27FC236}">
-                <a16:creationId xmlns:a16="http://schemas.microsoft.com/office/drawing/2014/main" id="{F8257BBA-246F-4B6C-B9E9-470AEE412401}"/>
-              </a:ext>
-            </a:extLst>
-          </p:cNvPr>
-          <p:cNvPicPr>
-            <a:picLocks noChangeAspect="1"/>
-          </p:cNvPicPr>
-          <p:nvPr/>
-        </p:nvPicPr>
-        <p:blipFill>
-          <a:blip r:embed="rId2"/>
-          <a:stretch>
-            <a:fillRect/>
-          </a:stretch>
-        </p:blipFill>
-        <p:spPr>
-          <a:xfrm>
-            <a:off x="895738" y="2533181"/>
-            <a:ext cx="7826602" cy="4198646"/>
-          </a:xfrm>
-          <a:prstGeom prst="rect">
-            <a:avLst/>
-          </a:prstGeom>
-        </p:spPr>
-      </p:pic>
-    </p:spTree>
-    <p:extLst>
-      <p:ext uri="{BB962C8B-B14F-4D97-AF65-F5344CB8AC3E}">
-        <p14:creationId xmlns:p14="http://schemas.microsoft.com/office/powerpoint/2010/main" val="2262336652"/>
-      </p:ext>
-    </p:extLst>
-  </p:cSld>
-  <p:clrMapOvr>
-    <a:masterClrMapping/>
-  </p:clrMapOvr>
+  <p:transition spd="slow">
+    <p:push dir="u"/>
+  </p:transition>
   <p:timing>
     <p:tnLst>
       <p:par>
@@ -6856,382 +6695,19 @@
                             </p:stCondLst>
                             <p:childTnLst>
                               <p:par>
-                                <p:cTn id="5" presetID="42" presetClass="entr" presetSubtype="0" fill="hold" nodeType="clickEffect">
+                                <p:cTn id="5" presetID="1" presetClass="mediacall" presetSubtype="0" fill="hold" nodeType="clickEffect">
                                   <p:stCondLst>
                                     <p:cond delay="0"/>
                                   </p:stCondLst>
                                   <p:childTnLst>
-                                    <p:set>
+                                    <p:cmd type="call" cmd="playFrom(0.0)">
                                       <p:cBhvr>
-                                        <p:cTn id="6" dur="1" fill="hold">
-                                          <p:stCondLst>
-                                            <p:cond delay="0"/>
-                                          </p:stCondLst>
-                                        </p:cTn>
+                                        <p:cTn id="6" dur="102867" fill="hold"/>
                                         <p:tgtEl>
-                                          <p:spTgt spid="3">
-                                            <p:txEl>
-                                              <p:pRg st="0" end="0"/>
-                                            </p:txEl>
-                                          </p:spTgt>
-                                        </p:tgtEl>
-                                        <p:attrNameLst>
-                                          <p:attrName>style.visibility</p:attrName>
-                                        </p:attrNameLst>
-                                      </p:cBhvr>
-                                      <p:to>
-                                        <p:strVal val="visible"/>
-                                      </p:to>
-                                    </p:set>
-                                    <p:animEffect transition="in" filter="fade">
-                                      <p:cBhvr>
-                                        <p:cTn id="7" dur="1000"/>
-                                        <p:tgtEl>
-                                          <p:spTgt spid="3">
-                                            <p:txEl>
-                                              <p:pRg st="0" end="0"/>
-                                            </p:txEl>
-                                          </p:spTgt>
+                                          <p:spTgt spid="4"/>
                                         </p:tgtEl>
                                       </p:cBhvr>
-                                    </p:animEffect>
-                                    <p:anim calcmode="lin" valueType="num">
-                                      <p:cBhvr>
-                                        <p:cTn id="8" dur="1000" fill="hold"/>
-                                        <p:tgtEl>
-                                          <p:spTgt spid="3">
-                                            <p:txEl>
-                                              <p:pRg st="0" end="0"/>
-                                            </p:txEl>
-                                          </p:spTgt>
-                                        </p:tgtEl>
-                                        <p:attrNameLst>
-                                          <p:attrName>ppt_x</p:attrName>
-                                        </p:attrNameLst>
-                                      </p:cBhvr>
-                                      <p:tavLst>
-                                        <p:tav tm="0">
-                                          <p:val>
-                                            <p:strVal val="#ppt_x"/>
-                                          </p:val>
-                                        </p:tav>
-                                        <p:tav tm="100000">
-                                          <p:val>
-                                            <p:strVal val="#ppt_x"/>
-                                          </p:val>
-                                        </p:tav>
-                                      </p:tavLst>
-                                    </p:anim>
-                                    <p:anim calcmode="lin" valueType="num">
-                                      <p:cBhvr>
-                                        <p:cTn id="9" dur="1000" fill="hold"/>
-                                        <p:tgtEl>
-                                          <p:spTgt spid="3">
-                                            <p:txEl>
-                                              <p:pRg st="0" end="0"/>
-                                            </p:txEl>
-                                          </p:spTgt>
-                                        </p:tgtEl>
-                                        <p:attrNameLst>
-                                          <p:attrName>ppt_y</p:attrName>
-                                        </p:attrNameLst>
-                                      </p:cBhvr>
-                                      <p:tavLst>
-                                        <p:tav tm="0">
-                                          <p:val>
-                                            <p:strVal val="#ppt_y+.1"/>
-                                          </p:val>
-                                        </p:tav>
-                                        <p:tav tm="100000">
-                                          <p:val>
-                                            <p:strVal val="#ppt_y"/>
-                                          </p:val>
-                                        </p:tav>
-                                      </p:tavLst>
-                                    </p:anim>
-                                  </p:childTnLst>
-                                </p:cTn>
-                              </p:par>
-                            </p:childTnLst>
-                          </p:cTn>
-                        </p:par>
-                      </p:childTnLst>
-                    </p:cTn>
-                  </p:par>
-                  <p:par>
-                    <p:cTn id="10" fill="hold">
-                      <p:stCondLst>
-                        <p:cond delay="indefinite"/>
-                      </p:stCondLst>
-                      <p:childTnLst>
-                        <p:par>
-                          <p:cTn id="11" fill="hold">
-                            <p:stCondLst>
-                              <p:cond delay="0"/>
-                            </p:stCondLst>
-                            <p:childTnLst>
-                              <p:par>
-                                <p:cTn id="12" presetID="42" presetClass="entr" presetSubtype="0" fill="hold" nodeType="clickEffect">
-                                  <p:stCondLst>
-                                    <p:cond delay="0"/>
-                                  </p:stCondLst>
-                                  <p:childTnLst>
-                                    <p:set>
-                                      <p:cBhvr>
-                                        <p:cTn id="13" dur="1" fill="hold">
-                                          <p:stCondLst>
-                                            <p:cond delay="0"/>
-                                          </p:stCondLst>
-                                        </p:cTn>
-                                        <p:tgtEl>
-                                          <p:spTgt spid="3">
-                                            <p:txEl>
-                                              <p:pRg st="1" end="1"/>
-                                            </p:txEl>
-                                          </p:spTgt>
-                                        </p:tgtEl>
-                                        <p:attrNameLst>
-                                          <p:attrName>style.visibility</p:attrName>
-                                        </p:attrNameLst>
-                                      </p:cBhvr>
-                                      <p:to>
-                                        <p:strVal val="visible"/>
-                                      </p:to>
-                                    </p:set>
-                                    <p:animEffect transition="in" filter="fade">
-                                      <p:cBhvr>
-                                        <p:cTn id="14" dur="1000"/>
-                                        <p:tgtEl>
-                                          <p:spTgt spid="3">
-                                            <p:txEl>
-                                              <p:pRg st="1" end="1"/>
-                                            </p:txEl>
-                                          </p:spTgt>
-                                        </p:tgtEl>
-                                      </p:cBhvr>
-                                    </p:animEffect>
-                                    <p:anim calcmode="lin" valueType="num">
-                                      <p:cBhvr>
-                                        <p:cTn id="15" dur="1000" fill="hold"/>
-                                        <p:tgtEl>
-                                          <p:spTgt spid="3">
-                                            <p:txEl>
-                                              <p:pRg st="1" end="1"/>
-                                            </p:txEl>
-                                          </p:spTgt>
-                                        </p:tgtEl>
-                                        <p:attrNameLst>
-                                          <p:attrName>ppt_x</p:attrName>
-                                        </p:attrNameLst>
-                                      </p:cBhvr>
-                                      <p:tavLst>
-                                        <p:tav tm="0">
-                                          <p:val>
-                                            <p:strVal val="#ppt_x"/>
-                                          </p:val>
-                                        </p:tav>
-                                        <p:tav tm="100000">
-                                          <p:val>
-                                            <p:strVal val="#ppt_x"/>
-                                          </p:val>
-                                        </p:tav>
-                                      </p:tavLst>
-                                    </p:anim>
-                                    <p:anim calcmode="lin" valueType="num">
-                                      <p:cBhvr>
-                                        <p:cTn id="16" dur="1000" fill="hold"/>
-                                        <p:tgtEl>
-                                          <p:spTgt spid="3">
-                                            <p:txEl>
-                                              <p:pRg st="1" end="1"/>
-                                            </p:txEl>
-                                          </p:spTgt>
-                                        </p:tgtEl>
-                                        <p:attrNameLst>
-                                          <p:attrName>ppt_y</p:attrName>
-                                        </p:attrNameLst>
-                                      </p:cBhvr>
-                                      <p:tavLst>
-                                        <p:tav tm="0">
-                                          <p:val>
-                                            <p:strVal val="#ppt_y+.1"/>
-                                          </p:val>
-                                        </p:tav>
-                                        <p:tav tm="100000">
-                                          <p:val>
-                                            <p:strVal val="#ppt_y"/>
-                                          </p:val>
-                                        </p:tav>
-                                      </p:tavLst>
-                                    </p:anim>
-                                  </p:childTnLst>
-                                </p:cTn>
-                              </p:par>
-                            </p:childTnLst>
-                          </p:cTn>
-                        </p:par>
-                      </p:childTnLst>
-                    </p:cTn>
-                  </p:par>
-                  <p:par>
-                    <p:cTn id="17" fill="hold">
-                      <p:stCondLst>
-                        <p:cond delay="indefinite"/>
-                      </p:stCondLst>
-                      <p:childTnLst>
-                        <p:par>
-                          <p:cTn id="18" fill="hold">
-                            <p:stCondLst>
-                              <p:cond delay="0"/>
-                            </p:stCondLst>
-                            <p:childTnLst>
-                              <p:par>
-                                <p:cTn id="19" presetID="42" presetClass="entr" presetSubtype="0" fill="hold" nodeType="clickEffect">
-                                  <p:stCondLst>
-                                    <p:cond delay="0"/>
-                                  </p:stCondLst>
-                                  <p:childTnLst>
-                                    <p:set>
-                                      <p:cBhvr>
-                                        <p:cTn id="20" dur="1" fill="hold">
-                                          <p:stCondLst>
-                                            <p:cond delay="0"/>
-                                          </p:stCondLst>
-                                        </p:cTn>
-                                        <p:tgtEl>
-                                          <p:spTgt spid="3">
-                                            <p:txEl>
-                                              <p:pRg st="2" end="2"/>
-                                            </p:txEl>
-                                          </p:spTgt>
-                                        </p:tgtEl>
-                                        <p:attrNameLst>
-                                          <p:attrName>style.visibility</p:attrName>
-                                        </p:attrNameLst>
-                                      </p:cBhvr>
-                                      <p:to>
-                                        <p:strVal val="visible"/>
-                                      </p:to>
-                                    </p:set>
-                                    <p:animEffect transition="in" filter="fade">
-                                      <p:cBhvr>
-                                        <p:cTn id="21" dur="1000"/>
-                                        <p:tgtEl>
-                                          <p:spTgt spid="3">
-                                            <p:txEl>
-                                              <p:pRg st="2" end="2"/>
-                                            </p:txEl>
-                                          </p:spTgt>
-                                        </p:tgtEl>
-                                      </p:cBhvr>
-                                    </p:animEffect>
-                                    <p:anim calcmode="lin" valueType="num">
-                                      <p:cBhvr>
-                                        <p:cTn id="22" dur="1000" fill="hold"/>
-                                        <p:tgtEl>
-                                          <p:spTgt spid="3">
-                                            <p:txEl>
-                                              <p:pRg st="2" end="2"/>
-                                            </p:txEl>
-                                          </p:spTgt>
-                                        </p:tgtEl>
-                                        <p:attrNameLst>
-                                          <p:attrName>ppt_x</p:attrName>
-                                        </p:attrNameLst>
-                                      </p:cBhvr>
-                                      <p:tavLst>
-                                        <p:tav tm="0">
-                                          <p:val>
-                                            <p:strVal val="#ppt_x"/>
-                                          </p:val>
-                                        </p:tav>
-                                        <p:tav tm="100000">
-                                          <p:val>
-                                            <p:strVal val="#ppt_x"/>
-                                          </p:val>
-                                        </p:tav>
-                                      </p:tavLst>
-                                    </p:anim>
-                                    <p:anim calcmode="lin" valueType="num">
-                                      <p:cBhvr>
-                                        <p:cTn id="23" dur="1000" fill="hold"/>
-                                        <p:tgtEl>
-                                          <p:spTgt spid="3">
-                                            <p:txEl>
-                                              <p:pRg st="2" end="2"/>
-                                            </p:txEl>
-                                          </p:spTgt>
-                                        </p:tgtEl>
-                                        <p:attrNameLst>
-                                          <p:attrName>ppt_y</p:attrName>
-                                        </p:attrNameLst>
-                                      </p:cBhvr>
-                                      <p:tavLst>
-                                        <p:tav tm="0">
-                                          <p:val>
-                                            <p:strVal val="#ppt_y+.1"/>
-                                          </p:val>
-                                        </p:tav>
-                                        <p:tav tm="100000">
-                                          <p:val>
-                                            <p:strVal val="#ppt_y"/>
-                                          </p:val>
-                                        </p:tav>
-                                      </p:tavLst>
-                                    </p:anim>
-                                  </p:childTnLst>
-                                </p:cTn>
-                              </p:par>
-                            </p:childTnLst>
-                          </p:cTn>
-                        </p:par>
-                      </p:childTnLst>
-                    </p:cTn>
-                  </p:par>
-                  <p:par>
-                    <p:cTn id="24" fill="hold">
-                      <p:stCondLst>
-                        <p:cond delay="indefinite"/>
-                      </p:stCondLst>
-                      <p:childTnLst>
-                        <p:par>
-                          <p:cTn id="25" fill="hold">
-                            <p:stCondLst>
-                              <p:cond delay="0"/>
-                            </p:stCondLst>
-                            <p:childTnLst>
-                              <p:par>
-                                <p:cTn id="26" presetID="16" presetClass="entr" presetSubtype="21" fill="hold" nodeType="clickEffect">
-                                  <p:stCondLst>
-                                    <p:cond delay="0"/>
-                                  </p:stCondLst>
-                                  <p:childTnLst>
-                                    <p:set>
-                                      <p:cBhvr>
-                                        <p:cTn id="27" dur="1" fill="hold">
-                                          <p:stCondLst>
-                                            <p:cond delay="0"/>
-                                          </p:stCondLst>
-                                        </p:cTn>
-                                        <p:tgtEl>
-                                          <p:spTgt spid="7"/>
-                                        </p:tgtEl>
-                                        <p:attrNameLst>
-                                          <p:attrName>style.visibility</p:attrName>
-                                        </p:attrNameLst>
-                                      </p:cBhvr>
-                                      <p:to>
-                                        <p:strVal val="visible"/>
-                                      </p:to>
-                                    </p:set>
-                                    <p:animEffect transition="in" filter="barn(inVertical)">
-                                      <p:cBhvr>
-                                        <p:cTn id="28" dur="500"/>
-                                        <p:tgtEl>
-                                          <p:spTgt spid="7"/>
-                                        </p:tgtEl>
-                                      </p:cBhvr>
-                                    </p:animEffect>
+                                    </p:cmd>
                                   </p:childTnLst>
                                 </p:cTn>
                               </p:par>
@@ -7258,6 +6734,76 @@
                 </p:cond>
               </p:nextCondLst>
             </p:seq>
+            <p:video>
+              <p:cMediaNode vol="80000">
+                <p:cTn id="7" fill="hold" display="0">
+                  <p:stCondLst>
+                    <p:cond delay="indefinite"/>
+                  </p:stCondLst>
+                </p:cTn>
+                <p:tgtEl>
+                  <p:spTgt spid="4"/>
+                </p:tgtEl>
+              </p:cMediaNode>
+            </p:video>
+            <p:seq concurrent="1" nextAc="seek">
+              <p:cTn id="8" restart="whenNotActive" fill="hold" evtFilter="cancelBubble" nodeType="interactiveSeq">
+                <p:stCondLst>
+                  <p:cond evt="onClick" delay="0">
+                    <p:tgtEl>
+                      <p:spTgt spid="4"/>
+                    </p:tgtEl>
+                  </p:cond>
+                </p:stCondLst>
+                <p:endSync evt="end" delay="0">
+                  <p:rtn val="all"/>
+                </p:endSync>
+                <p:childTnLst>
+                  <p:par>
+                    <p:cTn id="9" fill="hold">
+                      <p:stCondLst>
+                        <p:cond delay="0"/>
+                      </p:stCondLst>
+                      <p:childTnLst>
+                        <p:par>
+                          <p:cTn id="10" fill="hold">
+                            <p:stCondLst>
+                              <p:cond delay="0"/>
+                            </p:stCondLst>
+                            <p:childTnLst>
+                              <p:par>
+                                <p:cTn id="11" presetID="2" presetClass="mediacall" presetSubtype="0" fill="hold" nodeType="clickEffect">
+                                  <p:stCondLst>
+                                    <p:cond delay="0"/>
+                                  </p:stCondLst>
+                                  <p:childTnLst>
+                                    <p:cmd type="call" cmd="togglePause">
+                                      <p:cBhvr>
+                                        <p:cTn id="12" dur="1" fill="hold"/>
+                                        <p:tgtEl>
+                                          <p:spTgt spid="4"/>
+                                        </p:tgtEl>
+                                      </p:cBhvr>
+                                    </p:cmd>
+                                  </p:childTnLst>
+                                </p:cTn>
+                              </p:par>
+                            </p:childTnLst>
+                          </p:cTn>
+                        </p:par>
+                      </p:childTnLst>
+                    </p:cTn>
+                  </p:par>
+                </p:childTnLst>
+              </p:cTn>
+              <p:nextCondLst>
+                <p:cond evt="onClick" delay="0">
+                  <p:tgtEl>
+                    <p:spTgt spid="4"/>
+                  </p:tgtEl>
+                </p:cond>
+              </p:nextCondLst>
+            </p:seq>
           </p:childTnLst>
         </p:cTn>
       </p:par>
@@ -7266,7 +6812,7 @@
 </p:sld>
 </file>
 
-<file path=ppt/slides/slide5.xml><?xml version="1.0" encoding="utf-8"?>
+<file path=ppt/slides/slide4.xml><?xml version="1.0" encoding="utf-8"?>
 <p:sld xmlns:a="http://schemas.openxmlformats.org/drawingml/2006/main" xmlns:r="http://schemas.openxmlformats.org/officeDocument/2006/relationships" xmlns:p="http://schemas.openxmlformats.org/presentationml/2006/main">
   <p:cSld>
     <p:spTree>
@@ -7288,7 +6834,7 @@
           <p:cNvPr id="2" name="Заголовок 1">
             <a:extLst>
               <a:ext uri="{FF2B5EF4-FFF2-40B4-BE49-F238E27FC236}">
-                <a16:creationId xmlns:a16="http://schemas.microsoft.com/office/drawing/2014/main" id="{6FC02507-19EB-4884-A6E9-FFAFF42C5346}"/>
+                <a16:creationId xmlns:a16="http://schemas.microsoft.com/office/drawing/2014/main" id="{A6B7A9DF-FD51-404D-9B96-5F0D97E9586C}"/>
               </a:ext>
             </a:extLst>
           </p:cNvPr>
@@ -7301,8 +6847,8 @@
         </p:nvSpPr>
         <p:spPr>
           <a:xfrm>
-            <a:off x="0" y="1"/>
-            <a:ext cx="9274002" cy="961052"/>
+            <a:off x="5530" y="0"/>
+            <a:ext cx="8596668" cy="816638"/>
           </a:xfrm>
         </p:spPr>
         <p:txBody>
@@ -7311,7 +6857,7 @@
           <a:p>
             <a:r>
               <a:rPr lang="ru-RU" dirty="0"/>
-              <a:t>Профиль игрока</a:t>
+              <a:t>Литература</a:t>
             </a:r>
           </a:p>
         </p:txBody>
@@ -7321,7 +6867,7 @@
           <p:cNvPr id="3" name="Объект 2">
             <a:extLst>
               <a:ext uri="{FF2B5EF4-FFF2-40B4-BE49-F238E27FC236}">
-                <a16:creationId xmlns:a16="http://schemas.microsoft.com/office/drawing/2014/main" id="{2E59854E-4E49-4197-A9B5-0D6518F2599E}"/>
+                <a16:creationId xmlns:a16="http://schemas.microsoft.com/office/drawing/2014/main" id="{AC2BAE9D-0884-4209-8690-73554668575F}"/>
               </a:ext>
             </a:extLst>
           </p:cNvPr>
@@ -7334,13 +6880,13 @@
         </p:nvSpPr>
         <p:spPr>
           <a:xfrm>
-            <a:off x="0" y="854303"/>
-            <a:ext cx="7921690" cy="4800048"/>
+            <a:off x="5530" y="816638"/>
+            <a:ext cx="8596668" cy="3880773"/>
           </a:xfrm>
         </p:spPr>
         <p:txBody>
           <a:bodyPr>
-            <a:normAutofit/>
+            <a:normAutofit fontScale="92500" lnSpcReduction="20000"/>
           </a:bodyPr>
           <a:lstStyle/>
           <a:p>
@@ -7350,8 +6896,15 @@
             </a:pPr>
             <a:r>
               <a:rPr lang="ru-RU" sz="2800" dirty="0"/>
-              <a:t>В этом разделе находится вся информация о рекордах игрока.</a:t>
-            </a:r>
+              <a:t>Репозиторий с приложением: </a:t>
+            </a:r>
+            <a:r>
+              <a:rPr lang="en-US" sz="2800" dirty="0">
+                <a:hlinkClick r:id="rId2"/>
+              </a:rPr>
+              <a:t>https://github.com/AmirHai/project_2048</a:t>
+            </a:r>
+            <a:endParaRPr lang="ru-RU" sz="2800" dirty="0"/>
           </a:p>
           <a:p>
             <a:pPr>
@@ -7360,915 +6913,64 @@
             </a:pPr>
             <a:r>
               <a:rPr lang="ru-RU" sz="2800" dirty="0"/>
-              <a:t>Сделаны статус игрока и его никнейм</a:t>
-            </a:r>
-          </a:p>
-        </p:txBody>
-      </p:sp>
-      <p:pic>
-        <p:nvPicPr>
-          <p:cNvPr id="5" name="Рисунок 4">
-            <a:extLst>
-              <a:ext uri="{FF2B5EF4-FFF2-40B4-BE49-F238E27FC236}">
-                <a16:creationId xmlns:a16="http://schemas.microsoft.com/office/drawing/2014/main" id="{BCDFC099-8250-4880-8C39-2FDDE7334EC9}"/>
-              </a:ext>
-            </a:extLst>
-          </p:cNvPr>
-          <p:cNvPicPr>
-            <a:picLocks noChangeAspect="1"/>
-          </p:cNvPicPr>
-          <p:nvPr/>
-        </p:nvPicPr>
-        <p:blipFill>
-          <a:blip r:embed="rId2"/>
-          <a:stretch>
-            <a:fillRect/>
-          </a:stretch>
-        </p:blipFill>
-        <p:spPr>
-          <a:xfrm>
-            <a:off x="7700761" y="709126"/>
-            <a:ext cx="4239312" cy="5896947"/>
-          </a:xfrm>
-          <a:prstGeom prst="rect">
-            <a:avLst/>
-          </a:prstGeom>
-        </p:spPr>
-      </p:pic>
+              <a:t>Разного рода литература: </a:t>
+            </a:r>
+          </a:p>
+          <a:p>
+            <a:pPr>
+              <a:buFont typeface="+mj-lt"/>
+              <a:buAutoNum type="arabicPeriod"/>
+            </a:pPr>
+            <a:r>
+              <a:rPr lang="en-US" sz="2800" dirty="0">
+                <a:hlinkClick r:id="rId3"/>
+              </a:rPr>
+              <a:t>https://lyceum.yandex.ru/courses/539/groups/4115</a:t>
+            </a:r>
+            <a:endParaRPr lang="ru-RU" sz="2800" dirty="0"/>
+          </a:p>
+          <a:p>
+            <a:pPr>
+              <a:buFont typeface="+mj-lt"/>
+              <a:buAutoNum type="arabicPeriod"/>
+            </a:pPr>
+            <a:r>
+              <a:rPr lang="en-US" sz="2800" dirty="0">
+                <a:hlinkClick r:id="rId4"/>
+              </a:rPr>
+              <a:t>https://coderoad.ru/53175658/PyQt5-%D0%BA%D0%B0%D0%BA-%D0%BF%D0%BE%D0%B4%D0%BA%D0%BB%D1%8E%D1%87%D0%B8%D1%82%D1%8C-QSlider-%D0%BE%D1%82-QGroupBox-%D0%BA-%D1%84%D1%83%D0%BD%D0%BA%D1%86%D0%B8%D0%B8</a:t>
+            </a:r>
+            <a:endParaRPr lang="ru-RU" sz="2800" dirty="0"/>
+          </a:p>
+          <a:p>
+            <a:pPr>
+              <a:buFont typeface="+mj-lt"/>
+              <a:buAutoNum type="arabicPeriod"/>
+            </a:pPr>
+            <a:endParaRPr lang="ru-RU" sz="2800" dirty="0"/>
+          </a:p>
+          <a:p>
+            <a:pPr>
+              <a:buFont typeface="+mj-lt"/>
+              <a:buAutoNum type="arabicPeriod"/>
+            </a:pPr>
+            <a:endParaRPr lang="ru-RU" sz="2800" dirty="0"/>
+          </a:p>
+        </p:txBody>
+      </p:sp>
     </p:spTree>
     <p:extLst>
       <p:ext uri="{BB962C8B-B14F-4D97-AF65-F5344CB8AC3E}">
-        <p14:creationId xmlns:p14="http://schemas.microsoft.com/office/powerpoint/2010/main" val="3947523178"/>
+        <p14:creationId xmlns:p14="http://schemas.microsoft.com/office/powerpoint/2010/main" val="1388071066"/>
       </p:ext>
     </p:extLst>
   </p:cSld>
   <p:clrMapOvr>
     <a:masterClrMapping/>
   </p:clrMapOvr>
-  <p:timing>
-    <p:tnLst>
-      <p:par>
-        <p:cTn id="1" dur="indefinite" restart="never" nodeType="tmRoot">
-          <p:childTnLst>
-            <p:seq concurrent="1" nextAc="seek">
-              <p:cTn id="2" dur="indefinite" nodeType="mainSeq">
-                <p:childTnLst>
-                  <p:par>
-                    <p:cTn id="3" fill="hold">
-                      <p:stCondLst>
-                        <p:cond delay="indefinite"/>
-                      </p:stCondLst>
-                      <p:childTnLst>
-                        <p:par>
-                          <p:cTn id="4" fill="hold">
-                            <p:stCondLst>
-                              <p:cond delay="0"/>
-                            </p:stCondLst>
-                            <p:childTnLst>
-                              <p:par>
-                                <p:cTn id="5" presetID="42" presetClass="entr" presetSubtype="0" fill="hold" nodeType="clickEffect">
-                                  <p:stCondLst>
-                                    <p:cond delay="0"/>
-                                  </p:stCondLst>
-                                  <p:childTnLst>
-                                    <p:set>
-                                      <p:cBhvr>
-                                        <p:cTn id="6" dur="1" fill="hold">
-                                          <p:stCondLst>
-                                            <p:cond delay="0"/>
-                                          </p:stCondLst>
-                                        </p:cTn>
-                                        <p:tgtEl>
-                                          <p:spTgt spid="3">
-                                            <p:txEl>
-                                              <p:pRg st="0" end="0"/>
-                                            </p:txEl>
-                                          </p:spTgt>
-                                        </p:tgtEl>
-                                        <p:attrNameLst>
-                                          <p:attrName>style.visibility</p:attrName>
-                                        </p:attrNameLst>
-                                      </p:cBhvr>
-                                      <p:to>
-                                        <p:strVal val="visible"/>
-                                      </p:to>
-                                    </p:set>
-                                    <p:animEffect transition="in" filter="fade">
-                                      <p:cBhvr>
-                                        <p:cTn id="7" dur="1000"/>
-                                        <p:tgtEl>
-                                          <p:spTgt spid="3">
-                                            <p:txEl>
-                                              <p:pRg st="0" end="0"/>
-                                            </p:txEl>
-                                          </p:spTgt>
-                                        </p:tgtEl>
-                                      </p:cBhvr>
-                                    </p:animEffect>
-                                    <p:anim calcmode="lin" valueType="num">
-                                      <p:cBhvr>
-                                        <p:cTn id="8" dur="1000" fill="hold"/>
-                                        <p:tgtEl>
-                                          <p:spTgt spid="3">
-                                            <p:txEl>
-                                              <p:pRg st="0" end="0"/>
-                                            </p:txEl>
-                                          </p:spTgt>
-                                        </p:tgtEl>
-                                        <p:attrNameLst>
-                                          <p:attrName>ppt_x</p:attrName>
-                                        </p:attrNameLst>
-                                      </p:cBhvr>
-                                      <p:tavLst>
-                                        <p:tav tm="0">
-                                          <p:val>
-                                            <p:strVal val="#ppt_x"/>
-                                          </p:val>
-                                        </p:tav>
-                                        <p:tav tm="100000">
-                                          <p:val>
-                                            <p:strVal val="#ppt_x"/>
-                                          </p:val>
-                                        </p:tav>
-                                      </p:tavLst>
-                                    </p:anim>
-                                    <p:anim calcmode="lin" valueType="num">
-                                      <p:cBhvr>
-                                        <p:cTn id="9" dur="1000" fill="hold"/>
-                                        <p:tgtEl>
-                                          <p:spTgt spid="3">
-                                            <p:txEl>
-                                              <p:pRg st="0" end="0"/>
-                                            </p:txEl>
-                                          </p:spTgt>
-                                        </p:tgtEl>
-                                        <p:attrNameLst>
-                                          <p:attrName>ppt_y</p:attrName>
-                                        </p:attrNameLst>
-                                      </p:cBhvr>
-                                      <p:tavLst>
-                                        <p:tav tm="0">
-                                          <p:val>
-                                            <p:strVal val="#ppt_y+.1"/>
-                                          </p:val>
-                                        </p:tav>
-                                        <p:tav tm="100000">
-                                          <p:val>
-                                            <p:strVal val="#ppt_y"/>
-                                          </p:val>
-                                        </p:tav>
-                                      </p:tavLst>
-                                    </p:anim>
-                                  </p:childTnLst>
-                                </p:cTn>
-                              </p:par>
-                            </p:childTnLst>
-                          </p:cTn>
-                        </p:par>
-                      </p:childTnLst>
-                    </p:cTn>
-                  </p:par>
-                  <p:par>
-                    <p:cTn id="10" fill="hold">
-                      <p:stCondLst>
-                        <p:cond delay="indefinite"/>
-                      </p:stCondLst>
-                      <p:childTnLst>
-                        <p:par>
-                          <p:cTn id="11" fill="hold">
-                            <p:stCondLst>
-                              <p:cond delay="0"/>
-                            </p:stCondLst>
-                            <p:childTnLst>
-                              <p:par>
-                                <p:cTn id="12" presetID="42" presetClass="entr" presetSubtype="0" fill="hold" nodeType="clickEffect">
-                                  <p:stCondLst>
-                                    <p:cond delay="0"/>
-                                  </p:stCondLst>
-                                  <p:childTnLst>
-                                    <p:set>
-                                      <p:cBhvr>
-                                        <p:cTn id="13" dur="1" fill="hold">
-                                          <p:stCondLst>
-                                            <p:cond delay="0"/>
-                                          </p:stCondLst>
-                                        </p:cTn>
-                                        <p:tgtEl>
-                                          <p:spTgt spid="3">
-                                            <p:txEl>
-                                              <p:pRg st="1" end="1"/>
-                                            </p:txEl>
-                                          </p:spTgt>
-                                        </p:tgtEl>
-                                        <p:attrNameLst>
-                                          <p:attrName>style.visibility</p:attrName>
-                                        </p:attrNameLst>
-                                      </p:cBhvr>
-                                      <p:to>
-                                        <p:strVal val="visible"/>
-                                      </p:to>
-                                    </p:set>
-                                    <p:animEffect transition="in" filter="fade">
-                                      <p:cBhvr>
-                                        <p:cTn id="14" dur="1000"/>
-                                        <p:tgtEl>
-                                          <p:spTgt spid="3">
-                                            <p:txEl>
-                                              <p:pRg st="1" end="1"/>
-                                            </p:txEl>
-                                          </p:spTgt>
-                                        </p:tgtEl>
-                                      </p:cBhvr>
-                                    </p:animEffect>
-                                    <p:anim calcmode="lin" valueType="num">
-                                      <p:cBhvr>
-                                        <p:cTn id="15" dur="1000" fill="hold"/>
-                                        <p:tgtEl>
-                                          <p:spTgt spid="3">
-                                            <p:txEl>
-                                              <p:pRg st="1" end="1"/>
-                                            </p:txEl>
-                                          </p:spTgt>
-                                        </p:tgtEl>
-                                        <p:attrNameLst>
-                                          <p:attrName>ppt_x</p:attrName>
-                                        </p:attrNameLst>
-                                      </p:cBhvr>
-                                      <p:tavLst>
-                                        <p:tav tm="0">
-                                          <p:val>
-                                            <p:strVal val="#ppt_x"/>
-                                          </p:val>
-                                        </p:tav>
-                                        <p:tav tm="100000">
-                                          <p:val>
-                                            <p:strVal val="#ppt_x"/>
-                                          </p:val>
-                                        </p:tav>
-                                      </p:tavLst>
-                                    </p:anim>
-                                    <p:anim calcmode="lin" valueType="num">
-                                      <p:cBhvr>
-                                        <p:cTn id="16" dur="1000" fill="hold"/>
-                                        <p:tgtEl>
-                                          <p:spTgt spid="3">
-                                            <p:txEl>
-                                              <p:pRg st="1" end="1"/>
-                                            </p:txEl>
-                                          </p:spTgt>
-                                        </p:tgtEl>
-                                        <p:attrNameLst>
-                                          <p:attrName>ppt_y</p:attrName>
-                                        </p:attrNameLst>
-                                      </p:cBhvr>
-                                      <p:tavLst>
-                                        <p:tav tm="0">
-                                          <p:val>
-                                            <p:strVal val="#ppt_y+.1"/>
-                                          </p:val>
-                                        </p:tav>
-                                        <p:tav tm="100000">
-                                          <p:val>
-                                            <p:strVal val="#ppt_y"/>
-                                          </p:val>
-                                        </p:tav>
-                                      </p:tavLst>
-                                    </p:anim>
-                                  </p:childTnLst>
-                                </p:cTn>
-                              </p:par>
-                            </p:childTnLst>
-                          </p:cTn>
-                        </p:par>
-                      </p:childTnLst>
-                    </p:cTn>
-                  </p:par>
-                  <p:par>
-                    <p:cTn id="17" fill="hold">
-                      <p:stCondLst>
-                        <p:cond delay="indefinite"/>
-                      </p:stCondLst>
-                      <p:childTnLst>
-                        <p:par>
-                          <p:cTn id="18" fill="hold">
-                            <p:stCondLst>
-                              <p:cond delay="0"/>
-                            </p:stCondLst>
-                            <p:childTnLst>
-                              <p:par>
-                                <p:cTn id="19" presetID="42" presetClass="entr" presetSubtype="0" fill="hold" nodeType="clickEffect">
-                                  <p:stCondLst>
-                                    <p:cond delay="0"/>
-                                  </p:stCondLst>
-                                  <p:childTnLst>
-                                    <p:set>
-                                      <p:cBhvr>
-                                        <p:cTn id="20" dur="1" fill="hold">
-                                          <p:stCondLst>
-                                            <p:cond delay="0"/>
-                                          </p:stCondLst>
-                                        </p:cTn>
-                                        <p:tgtEl>
-                                          <p:spTgt spid="5"/>
-                                        </p:tgtEl>
-                                        <p:attrNameLst>
-                                          <p:attrName>style.visibility</p:attrName>
-                                        </p:attrNameLst>
-                                      </p:cBhvr>
-                                      <p:to>
-                                        <p:strVal val="visible"/>
-                                      </p:to>
-                                    </p:set>
-                                    <p:animEffect transition="in" filter="fade">
-                                      <p:cBhvr>
-                                        <p:cTn id="21" dur="1000"/>
-                                        <p:tgtEl>
-                                          <p:spTgt spid="5"/>
-                                        </p:tgtEl>
-                                      </p:cBhvr>
-                                    </p:animEffect>
-                                    <p:anim calcmode="lin" valueType="num">
-                                      <p:cBhvr>
-                                        <p:cTn id="22" dur="1000" fill="hold"/>
-                                        <p:tgtEl>
-                                          <p:spTgt spid="5"/>
-                                        </p:tgtEl>
-                                        <p:attrNameLst>
-                                          <p:attrName>ppt_x</p:attrName>
-                                        </p:attrNameLst>
-                                      </p:cBhvr>
-                                      <p:tavLst>
-                                        <p:tav tm="0">
-                                          <p:val>
-                                            <p:strVal val="#ppt_x"/>
-                                          </p:val>
-                                        </p:tav>
-                                        <p:tav tm="100000">
-                                          <p:val>
-                                            <p:strVal val="#ppt_x"/>
-                                          </p:val>
-                                        </p:tav>
-                                      </p:tavLst>
-                                    </p:anim>
-                                    <p:anim calcmode="lin" valueType="num">
-                                      <p:cBhvr>
-                                        <p:cTn id="23" dur="1000" fill="hold"/>
-                                        <p:tgtEl>
-                                          <p:spTgt spid="5"/>
-                                        </p:tgtEl>
-                                        <p:attrNameLst>
-                                          <p:attrName>ppt_y</p:attrName>
-                                        </p:attrNameLst>
-                                      </p:cBhvr>
-                                      <p:tavLst>
-                                        <p:tav tm="0">
-                                          <p:val>
-                                            <p:strVal val="#ppt_y+.1"/>
-                                          </p:val>
-                                        </p:tav>
-                                        <p:tav tm="100000">
-                                          <p:val>
-                                            <p:strVal val="#ppt_y"/>
-                                          </p:val>
-                                        </p:tav>
-                                      </p:tavLst>
-                                    </p:anim>
-                                  </p:childTnLst>
-                                </p:cTn>
-                              </p:par>
-                            </p:childTnLst>
-                          </p:cTn>
-                        </p:par>
-                      </p:childTnLst>
-                    </p:cTn>
-                  </p:par>
-                </p:childTnLst>
-              </p:cTn>
-              <p:prevCondLst>
-                <p:cond evt="onPrev" delay="0">
-                  <p:tgtEl>
-                    <p:sldTgt/>
-                  </p:tgtEl>
-                </p:cond>
-              </p:prevCondLst>
-              <p:nextCondLst>
-                <p:cond evt="onNext" delay="0">
-                  <p:tgtEl>
-                    <p:sldTgt/>
-                  </p:tgtEl>
-                </p:cond>
-              </p:nextCondLst>
-            </p:seq>
-          </p:childTnLst>
-        </p:cTn>
-      </p:par>
-    </p:tnLst>
-  </p:timing>
-</p:sld>
-</file>
-
-<file path=ppt/slides/slide6.xml><?xml version="1.0" encoding="utf-8"?>
-<p:sld xmlns:a="http://schemas.openxmlformats.org/drawingml/2006/main" xmlns:r="http://schemas.openxmlformats.org/officeDocument/2006/relationships" xmlns:p="http://schemas.openxmlformats.org/presentationml/2006/main">
-  <p:cSld>
-    <p:spTree>
-      <p:nvGrpSpPr>
-        <p:cNvPr id="1" name=""/>
-        <p:cNvGrpSpPr/>
-        <p:nvPr/>
-      </p:nvGrpSpPr>
-      <p:grpSpPr>
-        <a:xfrm>
-          <a:off x="0" y="0"/>
-          <a:ext cx="0" cy="0"/>
-          <a:chOff x="0" y="0"/>
-          <a:chExt cx="0" cy="0"/>
-        </a:xfrm>
-      </p:grpSpPr>
-      <p:sp>
-        <p:nvSpPr>
-          <p:cNvPr id="2" name="Заголовок 1">
-            <a:extLst>
-              <a:ext uri="{FF2B5EF4-FFF2-40B4-BE49-F238E27FC236}">
-                <a16:creationId xmlns:a16="http://schemas.microsoft.com/office/drawing/2014/main" id="{3963D264-029F-4491-912A-95753309BCE0}"/>
-              </a:ext>
-            </a:extLst>
-          </p:cNvPr>
-          <p:cNvSpPr>
-            <a:spLocks noGrp="1"/>
-          </p:cNvSpPr>
-          <p:nvPr>
-            <p:ph type="title"/>
-          </p:nvPr>
-        </p:nvSpPr>
-        <p:spPr>
-          <a:xfrm>
-            <a:off x="0" y="0"/>
-            <a:ext cx="8500188" cy="886408"/>
-          </a:xfrm>
-        </p:spPr>
-        <p:txBody>
-          <a:bodyPr/>
-          <a:lstStyle/>
-          <a:p>
-            <a:r>
-              <a:rPr lang="ru-RU" dirty="0"/>
-              <a:t>Изменение поля и сама игра</a:t>
-            </a:r>
-          </a:p>
-        </p:txBody>
-      </p:sp>
-      <p:sp>
-        <p:nvSpPr>
-          <p:cNvPr id="3" name="Объект 2">
-            <a:extLst>
-              <a:ext uri="{FF2B5EF4-FFF2-40B4-BE49-F238E27FC236}">
-                <a16:creationId xmlns:a16="http://schemas.microsoft.com/office/drawing/2014/main" id="{DDBF7F4D-8D08-476E-80D5-6B8B255E571F}"/>
-              </a:ext>
-            </a:extLst>
-          </p:cNvPr>
-          <p:cNvSpPr>
-            <a:spLocks noGrp="1"/>
-          </p:cNvSpPr>
-          <p:nvPr>
-            <p:ph idx="1"/>
-          </p:nvPr>
-        </p:nvSpPr>
-        <p:spPr>
-          <a:xfrm>
-            <a:off x="0" y="886408"/>
-            <a:ext cx="6904653" cy="3880773"/>
-          </a:xfrm>
-        </p:spPr>
-        <p:txBody>
-          <a:bodyPr>
-            <a:normAutofit/>
-          </a:bodyPr>
-          <a:lstStyle/>
-          <a:p>
-            <a:pPr marL="514350" indent="-514350">
-              <a:buFont typeface="+mj-lt"/>
-              <a:buAutoNum type="arabicPeriod"/>
-            </a:pPr>
-            <a:r>
-              <a:rPr lang="ru-RU" sz="2800" dirty="0">
-                <a:latin typeface="+mj-lt"/>
-              </a:rPr>
-              <a:t>Происходит благодаря двум ползункам, которые имеют изначально значение поля 4 на 4.</a:t>
-            </a:r>
-          </a:p>
-          <a:p>
-            <a:pPr marL="514350" indent="-514350">
-              <a:buFont typeface="+mj-lt"/>
-              <a:buAutoNum type="arabicPeriod"/>
-            </a:pPr>
-            <a:r>
-              <a:rPr lang="ru-RU" sz="2800" dirty="0">
-                <a:latin typeface="+mj-lt"/>
-              </a:rPr>
-              <a:t>В самой игре идет запись очков персонажа, его рекорд, кнопки рестарта и возврата хода</a:t>
-            </a:r>
-          </a:p>
-        </p:txBody>
-      </p:sp>
-      <p:pic>
-        <p:nvPicPr>
-          <p:cNvPr id="7" name="Рисунок 6">
-            <a:extLst>
-              <a:ext uri="{FF2B5EF4-FFF2-40B4-BE49-F238E27FC236}">
-                <a16:creationId xmlns:a16="http://schemas.microsoft.com/office/drawing/2014/main" id="{4C421EE7-DC8D-4EAB-B1CE-D94A4C899212}"/>
-              </a:ext>
-            </a:extLst>
-          </p:cNvPr>
-          <p:cNvPicPr>
-            <a:picLocks noChangeAspect="1"/>
-          </p:cNvPicPr>
-          <p:nvPr/>
-        </p:nvPicPr>
-        <p:blipFill>
-          <a:blip r:embed="rId2"/>
-          <a:stretch>
-            <a:fillRect/>
-          </a:stretch>
-        </p:blipFill>
-        <p:spPr>
-          <a:xfrm>
-            <a:off x="6904653" y="459168"/>
-            <a:ext cx="4433450" cy="6156751"/>
-          </a:xfrm>
-          <a:prstGeom prst="rect">
-            <a:avLst/>
-          </a:prstGeom>
-        </p:spPr>
-      </p:pic>
-    </p:spTree>
-    <p:extLst>
-      <p:ext uri="{BB962C8B-B14F-4D97-AF65-F5344CB8AC3E}">
-        <p14:creationId xmlns:p14="http://schemas.microsoft.com/office/powerpoint/2010/main" val="2557165256"/>
-      </p:ext>
-    </p:extLst>
-  </p:cSld>
-  <p:clrMapOvr>
-    <a:masterClrMapping/>
-  </p:clrMapOvr>
-  <p:timing>
-    <p:tnLst>
-      <p:par>
-        <p:cTn id="1" dur="indefinite" restart="never" nodeType="tmRoot">
-          <p:childTnLst>
-            <p:seq concurrent="1" nextAc="seek">
-              <p:cTn id="2" dur="indefinite" nodeType="mainSeq">
-                <p:childTnLst>
-                  <p:par>
-                    <p:cTn id="3" fill="hold">
-                      <p:stCondLst>
-                        <p:cond delay="indefinite"/>
-                      </p:stCondLst>
-                      <p:childTnLst>
-                        <p:par>
-                          <p:cTn id="4" fill="hold">
-                            <p:stCondLst>
-                              <p:cond delay="0"/>
-                            </p:stCondLst>
-                            <p:childTnLst>
-                              <p:par>
-                                <p:cTn id="5" presetID="42" presetClass="entr" presetSubtype="0" fill="hold" nodeType="clickEffect">
-                                  <p:stCondLst>
-                                    <p:cond delay="0"/>
-                                  </p:stCondLst>
-                                  <p:childTnLst>
-                                    <p:set>
-                                      <p:cBhvr>
-                                        <p:cTn id="6" dur="1" fill="hold">
-                                          <p:stCondLst>
-                                            <p:cond delay="0"/>
-                                          </p:stCondLst>
-                                        </p:cTn>
-                                        <p:tgtEl>
-                                          <p:spTgt spid="3">
-                                            <p:txEl>
-                                              <p:pRg st="0" end="0"/>
-                                            </p:txEl>
-                                          </p:spTgt>
-                                        </p:tgtEl>
-                                        <p:attrNameLst>
-                                          <p:attrName>style.visibility</p:attrName>
-                                        </p:attrNameLst>
-                                      </p:cBhvr>
-                                      <p:to>
-                                        <p:strVal val="visible"/>
-                                      </p:to>
-                                    </p:set>
-                                    <p:animEffect transition="in" filter="fade">
-                                      <p:cBhvr>
-                                        <p:cTn id="7" dur="1000"/>
-                                        <p:tgtEl>
-                                          <p:spTgt spid="3">
-                                            <p:txEl>
-                                              <p:pRg st="0" end="0"/>
-                                            </p:txEl>
-                                          </p:spTgt>
-                                        </p:tgtEl>
-                                      </p:cBhvr>
-                                    </p:animEffect>
-                                    <p:anim calcmode="lin" valueType="num">
-                                      <p:cBhvr>
-                                        <p:cTn id="8" dur="1000" fill="hold"/>
-                                        <p:tgtEl>
-                                          <p:spTgt spid="3">
-                                            <p:txEl>
-                                              <p:pRg st="0" end="0"/>
-                                            </p:txEl>
-                                          </p:spTgt>
-                                        </p:tgtEl>
-                                        <p:attrNameLst>
-                                          <p:attrName>ppt_x</p:attrName>
-                                        </p:attrNameLst>
-                                      </p:cBhvr>
-                                      <p:tavLst>
-                                        <p:tav tm="0">
-                                          <p:val>
-                                            <p:strVal val="#ppt_x"/>
-                                          </p:val>
-                                        </p:tav>
-                                        <p:tav tm="100000">
-                                          <p:val>
-                                            <p:strVal val="#ppt_x"/>
-                                          </p:val>
-                                        </p:tav>
-                                      </p:tavLst>
-                                    </p:anim>
-                                    <p:anim calcmode="lin" valueType="num">
-                                      <p:cBhvr>
-                                        <p:cTn id="9" dur="1000" fill="hold"/>
-                                        <p:tgtEl>
-                                          <p:spTgt spid="3">
-                                            <p:txEl>
-                                              <p:pRg st="0" end="0"/>
-                                            </p:txEl>
-                                          </p:spTgt>
-                                        </p:tgtEl>
-                                        <p:attrNameLst>
-                                          <p:attrName>ppt_y</p:attrName>
-                                        </p:attrNameLst>
-                                      </p:cBhvr>
-                                      <p:tavLst>
-                                        <p:tav tm="0">
-                                          <p:val>
-                                            <p:strVal val="#ppt_y+.1"/>
-                                          </p:val>
-                                        </p:tav>
-                                        <p:tav tm="100000">
-                                          <p:val>
-                                            <p:strVal val="#ppt_y"/>
-                                          </p:val>
-                                        </p:tav>
-                                      </p:tavLst>
-                                    </p:anim>
-                                  </p:childTnLst>
-                                </p:cTn>
-                              </p:par>
-                            </p:childTnLst>
-                          </p:cTn>
-                        </p:par>
-                      </p:childTnLst>
-                    </p:cTn>
-                  </p:par>
-                  <p:par>
-                    <p:cTn id="10" fill="hold">
-                      <p:stCondLst>
-                        <p:cond delay="indefinite"/>
-                      </p:stCondLst>
-                      <p:childTnLst>
-                        <p:par>
-                          <p:cTn id="11" fill="hold">
-                            <p:stCondLst>
-                              <p:cond delay="0"/>
-                            </p:stCondLst>
-                            <p:childTnLst>
-                              <p:par>
-                                <p:cTn id="12" presetID="42" presetClass="entr" presetSubtype="0" fill="hold" nodeType="clickEffect">
-                                  <p:stCondLst>
-                                    <p:cond delay="0"/>
-                                  </p:stCondLst>
-                                  <p:childTnLst>
-                                    <p:set>
-                                      <p:cBhvr>
-                                        <p:cTn id="13" dur="1" fill="hold">
-                                          <p:stCondLst>
-                                            <p:cond delay="0"/>
-                                          </p:stCondLst>
-                                        </p:cTn>
-                                        <p:tgtEl>
-                                          <p:spTgt spid="3">
-                                            <p:txEl>
-                                              <p:pRg st="1" end="1"/>
-                                            </p:txEl>
-                                          </p:spTgt>
-                                        </p:tgtEl>
-                                        <p:attrNameLst>
-                                          <p:attrName>style.visibility</p:attrName>
-                                        </p:attrNameLst>
-                                      </p:cBhvr>
-                                      <p:to>
-                                        <p:strVal val="visible"/>
-                                      </p:to>
-                                    </p:set>
-                                    <p:animEffect transition="in" filter="fade">
-                                      <p:cBhvr>
-                                        <p:cTn id="14" dur="1000"/>
-                                        <p:tgtEl>
-                                          <p:spTgt spid="3">
-                                            <p:txEl>
-                                              <p:pRg st="1" end="1"/>
-                                            </p:txEl>
-                                          </p:spTgt>
-                                        </p:tgtEl>
-                                      </p:cBhvr>
-                                    </p:animEffect>
-                                    <p:anim calcmode="lin" valueType="num">
-                                      <p:cBhvr>
-                                        <p:cTn id="15" dur="1000" fill="hold"/>
-                                        <p:tgtEl>
-                                          <p:spTgt spid="3">
-                                            <p:txEl>
-                                              <p:pRg st="1" end="1"/>
-                                            </p:txEl>
-                                          </p:spTgt>
-                                        </p:tgtEl>
-                                        <p:attrNameLst>
-                                          <p:attrName>ppt_x</p:attrName>
-                                        </p:attrNameLst>
-                                      </p:cBhvr>
-                                      <p:tavLst>
-                                        <p:tav tm="0">
-                                          <p:val>
-                                            <p:strVal val="#ppt_x"/>
-                                          </p:val>
-                                        </p:tav>
-                                        <p:tav tm="100000">
-                                          <p:val>
-                                            <p:strVal val="#ppt_x"/>
-                                          </p:val>
-                                        </p:tav>
-                                      </p:tavLst>
-                                    </p:anim>
-                                    <p:anim calcmode="lin" valueType="num">
-                                      <p:cBhvr>
-                                        <p:cTn id="16" dur="1000" fill="hold"/>
-                                        <p:tgtEl>
-                                          <p:spTgt spid="3">
-                                            <p:txEl>
-                                              <p:pRg st="1" end="1"/>
-                                            </p:txEl>
-                                          </p:spTgt>
-                                        </p:tgtEl>
-                                        <p:attrNameLst>
-                                          <p:attrName>ppt_y</p:attrName>
-                                        </p:attrNameLst>
-                                      </p:cBhvr>
-                                      <p:tavLst>
-                                        <p:tav tm="0">
-                                          <p:val>
-                                            <p:strVal val="#ppt_y+.1"/>
-                                          </p:val>
-                                        </p:tav>
-                                        <p:tav tm="100000">
-                                          <p:val>
-                                            <p:strVal val="#ppt_y"/>
-                                          </p:val>
-                                        </p:tav>
-                                      </p:tavLst>
-                                    </p:anim>
-                                  </p:childTnLst>
-                                </p:cTn>
-                              </p:par>
-                            </p:childTnLst>
-                          </p:cTn>
-                        </p:par>
-                      </p:childTnLst>
-                    </p:cTn>
-                  </p:par>
-                  <p:par>
-                    <p:cTn id="17" fill="hold">
-                      <p:stCondLst>
-                        <p:cond delay="indefinite"/>
-                      </p:stCondLst>
-                      <p:childTnLst>
-                        <p:par>
-                          <p:cTn id="18" fill="hold">
-                            <p:stCondLst>
-                              <p:cond delay="0"/>
-                            </p:stCondLst>
-                            <p:childTnLst>
-                              <p:par>
-                                <p:cTn id="19" presetID="42" presetClass="entr" presetSubtype="0" fill="hold" nodeType="clickEffect">
-                                  <p:stCondLst>
-                                    <p:cond delay="0"/>
-                                  </p:stCondLst>
-                                  <p:childTnLst>
-                                    <p:set>
-                                      <p:cBhvr>
-                                        <p:cTn id="20" dur="1" fill="hold">
-                                          <p:stCondLst>
-                                            <p:cond delay="0"/>
-                                          </p:stCondLst>
-                                        </p:cTn>
-                                        <p:tgtEl>
-                                          <p:spTgt spid="7"/>
-                                        </p:tgtEl>
-                                        <p:attrNameLst>
-                                          <p:attrName>style.visibility</p:attrName>
-                                        </p:attrNameLst>
-                                      </p:cBhvr>
-                                      <p:to>
-                                        <p:strVal val="visible"/>
-                                      </p:to>
-                                    </p:set>
-                                    <p:animEffect transition="in" filter="fade">
-                                      <p:cBhvr>
-                                        <p:cTn id="21" dur="1000"/>
-                                        <p:tgtEl>
-                                          <p:spTgt spid="7"/>
-                                        </p:tgtEl>
-                                      </p:cBhvr>
-                                    </p:animEffect>
-                                    <p:anim calcmode="lin" valueType="num">
-                                      <p:cBhvr>
-                                        <p:cTn id="22" dur="1000" fill="hold"/>
-                                        <p:tgtEl>
-                                          <p:spTgt spid="7"/>
-                                        </p:tgtEl>
-                                        <p:attrNameLst>
-                                          <p:attrName>ppt_x</p:attrName>
-                                        </p:attrNameLst>
-                                      </p:cBhvr>
-                                      <p:tavLst>
-                                        <p:tav tm="0">
-                                          <p:val>
-                                            <p:strVal val="#ppt_x"/>
-                                          </p:val>
-                                        </p:tav>
-                                        <p:tav tm="100000">
-                                          <p:val>
-                                            <p:strVal val="#ppt_x"/>
-                                          </p:val>
-                                        </p:tav>
-                                      </p:tavLst>
-                                    </p:anim>
-                                    <p:anim calcmode="lin" valueType="num">
-                                      <p:cBhvr>
-                                        <p:cTn id="23" dur="1000" fill="hold"/>
-                                        <p:tgtEl>
-                                          <p:spTgt spid="7"/>
-                                        </p:tgtEl>
-                                        <p:attrNameLst>
-                                          <p:attrName>ppt_y</p:attrName>
-                                        </p:attrNameLst>
-                                      </p:cBhvr>
-                                      <p:tavLst>
-                                        <p:tav tm="0">
-                                          <p:val>
-                                            <p:strVal val="#ppt_y+.1"/>
-                                          </p:val>
-                                        </p:tav>
-                                        <p:tav tm="100000">
-                                          <p:val>
-                                            <p:strVal val="#ppt_y"/>
-                                          </p:val>
-                                        </p:tav>
-                                      </p:tavLst>
-                                    </p:anim>
-                                  </p:childTnLst>
-                                </p:cTn>
-                              </p:par>
-                            </p:childTnLst>
-                          </p:cTn>
-                        </p:par>
-                      </p:childTnLst>
-                    </p:cTn>
-                  </p:par>
-                </p:childTnLst>
-              </p:cTn>
-              <p:prevCondLst>
-                <p:cond evt="onPrev" delay="0">
-                  <p:tgtEl>
-                    <p:sldTgt/>
-                  </p:tgtEl>
-                </p:cond>
-              </p:prevCondLst>
-              <p:nextCondLst>
-                <p:cond evt="onNext" delay="0">
-                  <p:tgtEl>
-                    <p:sldTgt/>
-                  </p:tgtEl>
-                </p:cond>
-              </p:nextCondLst>
-            </p:seq>
-          </p:childTnLst>
-        </p:cTn>
-      </p:par>
-    </p:tnLst>
-  </p:timing>
+  <p:transition spd="slow">
+    <p:push dir="u"/>
+  </p:transition>
 </p:sld>
 </file>
 
